--- a/Web Security.pptx
+++ b/Web Security.pptx
@@ -7,8 +7,8 @@
   <p:sldIdLst>
     <p:sldId id="256" r:id="rId2"/>
     <p:sldId id="257" r:id="rId3"/>
-    <p:sldId id="259" r:id="rId4"/>
-    <p:sldId id="260" r:id="rId5"/>
+    <p:sldId id="260" r:id="rId4"/>
+    <p:sldId id="259" r:id="rId5"/>
     <p:sldId id="258" r:id="rId6"/>
   </p:sldIdLst>
   <p:sldSz cx="12192000" cy="6858000"/>
@@ -5935,6 +5935,245 @@
           <a:chExt cx="0" cy="0"/>
         </a:xfrm>
       </p:grpSpPr>
+      <p:sp>
+        <p:nvSpPr>
+          <p:cNvPr id="3" name="TextBox 2"/>
+          <p:cNvSpPr txBox="1"/>
+          <p:nvPr/>
+        </p:nvSpPr>
+        <p:spPr>
+          <a:xfrm>
+            <a:off x="1534066" y="952109"/>
+            <a:ext cx="7755213" cy="646331"/>
+          </a:xfrm>
+          <a:prstGeom prst="rect">
+            <a:avLst/>
+          </a:prstGeom>
+          <a:noFill/>
+        </p:spPr>
+        <p:txBody>
+          <a:bodyPr wrap="square" rtlCol="0">
+            <a:spAutoFit/>
+          </a:bodyPr>
+          <a:lstStyle/>
+          <a:p>
+            <a:r>
+              <a:rPr lang="en-US" sz="3600" b="1" dirty="0" smtClean="0">
+                <a:latin typeface="Calibri" panose="020F0502020204030204" pitchFamily="34" charset="0"/>
+                <a:cs typeface="Calibri" panose="020F0502020204030204" pitchFamily="34" charset="0"/>
+              </a:rPr>
+              <a:t>What is </a:t>
+            </a:r>
+            <a:r>
+              <a:rPr lang="en-US" sz="3600" b="1" i="1" dirty="0" smtClean="0">
+                <a:solidFill>
+                  <a:srgbClr val="FF0000"/>
+                </a:solidFill>
+                <a:latin typeface="Calibri" panose="020F0502020204030204" pitchFamily="34" charset="0"/>
+                <a:cs typeface="Calibri" panose="020F0502020204030204" pitchFamily="34" charset="0"/>
+              </a:rPr>
+              <a:t>Web Security </a:t>
+            </a:r>
+            <a:r>
+              <a:rPr lang="en-US" sz="3600" b="1" dirty="0" smtClean="0">
+                <a:latin typeface="Calibri" panose="020F0502020204030204" pitchFamily="34" charset="0"/>
+                <a:cs typeface="Calibri" panose="020F0502020204030204" pitchFamily="34" charset="0"/>
+              </a:rPr>
+              <a:t>?</a:t>
+            </a:r>
+            <a:endParaRPr lang="en-US" sz="3600" b="1" dirty="0">
+              <a:latin typeface="Calibri" panose="020F0502020204030204" pitchFamily="34" charset="0"/>
+              <a:cs typeface="Calibri" panose="020F0502020204030204" pitchFamily="34" charset="0"/>
+            </a:endParaRPr>
+          </a:p>
+        </p:txBody>
+      </p:sp>
+      <p:sp>
+        <p:nvSpPr>
+          <p:cNvPr id="4" name="TextBox 3"/>
+          <p:cNvSpPr txBox="1"/>
+          <p:nvPr/>
+        </p:nvSpPr>
+        <p:spPr>
+          <a:xfrm>
+            <a:off x="1534065" y="1606982"/>
+            <a:ext cx="7293741" cy="1631216"/>
+          </a:xfrm>
+          <a:prstGeom prst="rect">
+            <a:avLst/>
+          </a:prstGeom>
+          <a:noFill/>
+        </p:spPr>
+        <p:txBody>
+          <a:bodyPr wrap="square" rtlCol="0">
+            <a:spAutoFit/>
+          </a:bodyPr>
+          <a:lstStyle/>
+          <a:p>
+            <a:r>
+              <a:rPr lang="en-US" sz="2000" i="1" dirty="0">
+                <a:latin typeface="Calibri" panose="020F0502020204030204" pitchFamily="34" charset="0"/>
+                <a:cs typeface="Calibri" panose="020F0502020204030204" pitchFamily="34" charset="0"/>
+              </a:rPr>
+              <a:t>Web application security, is a branch of Information Security that deals specifically with security of websites, web applications and web services. At a high level, Web application security draws on the principles of application security but applies them specifically to Internet and Web systems.</a:t>
+            </a:r>
+            <a:endParaRPr lang="en-US" sz="2000" i="1" dirty="0">
+              <a:latin typeface="Calibri" panose="020F0502020204030204" pitchFamily="34" charset="0"/>
+              <a:cs typeface="Calibri" panose="020F0502020204030204" pitchFamily="34" charset="0"/>
+            </a:endParaRPr>
+          </a:p>
+        </p:txBody>
+      </p:sp>
+      <p:sp>
+        <p:nvSpPr>
+          <p:cNvPr id="5" name="TextBox 4"/>
+          <p:cNvSpPr txBox="1"/>
+          <p:nvPr/>
+        </p:nvSpPr>
+        <p:spPr>
+          <a:xfrm>
+            <a:off x="1532639" y="3693887"/>
+            <a:ext cx="7755213" cy="646331"/>
+          </a:xfrm>
+          <a:prstGeom prst="rect">
+            <a:avLst/>
+          </a:prstGeom>
+          <a:noFill/>
+        </p:spPr>
+        <p:txBody>
+          <a:bodyPr wrap="square" rtlCol="0">
+            <a:spAutoFit/>
+          </a:bodyPr>
+          <a:lstStyle/>
+          <a:p>
+            <a:r>
+              <a:rPr lang="en-US" sz="3600" b="1" dirty="0">
+                <a:latin typeface="Calibri" panose="020F0502020204030204" pitchFamily="34" charset="0"/>
+                <a:cs typeface="Calibri" panose="020F0502020204030204" pitchFamily="34" charset="0"/>
+              </a:rPr>
+              <a:t>What can </a:t>
+            </a:r>
+            <a:r>
+              <a:rPr lang="en-US" sz="3600" b="1" dirty="0">
+                <a:solidFill>
+                  <a:srgbClr val="FF0000"/>
+                </a:solidFill>
+                <a:latin typeface="Calibri" panose="020F0502020204030204" pitchFamily="34" charset="0"/>
+                <a:cs typeface="Calibri" panose="020F0502020204030204" pitchFamily="34" charset="0"/>
+              </a:rPr>
+              <a:t>Web </a:t>
+            </a:r>
+            <a:r>
+              <a:rPr lang="en-US" sz="3600" b="1" dirty="0" smtClean="0">
+                <a:solidFill>
+                  <a:srgbClr val="FF0000"/>
+                </a:solidFill>
+                <a:latin typeface="Calibri" panose="020F0502020204030204" pitchFamily="34" charset="0"/>
+                <a:cs typeface="Calibri" panose="020F0502020204030204" pitchFamily="34" charset="0"/>
+              </a:rPr>
+              <a:t>Users </a:t>
+            </a:r>
+            <a:r>
+              <a:rPr lang="en-US" sz="3600" b="1" dirty="0" smtClean="0">
+                <a:latin typeface="Calibri" panose="020F0502020204030204" pitchFamily="34" charset="0"/>
+                <a:cs typeface="Calibri" panose="020F0502020204030204" pitchFamily="34" charset="0"/>
+              </a:rPr>
+              <a:t>do ?</a:t>
+            </a:r>
+            <a:endParaRPr lang="en-US" sz="3600" b="1" dirty="0">
+              <a:latin typeface="Calibri" panose="020F0502020204030204" pitchFamily="34" charset="0"/>
+              <a:cs typeface="Calibri" panose="020F0502020204030204" pitchFamily="34" charset="0"/>
+            </a:endParaRPr>
+          </a:p>
+        </p:txBody>
+      </p:sp>
+      <p:sp>
+        <p:nvSpPr>
+          <p:cNvPr id="6" name="TextBox 5"/>
+          <p:cNvSpPr txBox="1"/>
+          <p:nvPr/>
+        </p:nvSpPr>
+        <p:spPr>
+          <a:xfrm>
+            <a:off x="1532639" y="4348760"/>
+            <a:ext cx="7295168" cy="1015663"/>
+          </a:xfrm>
+          <a:prstGeom prst="rect">
+            <a:avLst/>
+          </a:prstGeom>
+          <a:noFill/>
+        </p:spPr>
+        <p:txBody>
+          <a:bodyPr wrap="square" rtlCol="0">
+            <a:spAutoFit/>
+          </a:bodyPr>
+          <a:lstStyle/>
+          <a:p>
+            <a:r>
+              <a:rPr lang="en-US" sz="2000" i="1" dirty="0">
+                <a:latin typeface="Calibri" panose="020F0502020204030204" pitchFamily="34" charset="0"/>
+                <a:cs typeface="Calibri" panose="020F0502020204030204" pitchFamily="34" charset="0"/>
+              </a:rPr>
+              <a:t>The first step in protecting yourself is </a:t>
+            </a:r>
+            <a:r>
+              <a:rPr lang="en-US" sz="2000" i="1" dirty="0" smtClean="0">
+                <a:latin typeface="Calibri" panose="020F0502020204030204" pitchFamily="34" charset="0"/>
+                <a:cs typeface="Calibri" panose="020F0502020204030204" pitchFamily="34" charset="0"/>
+              </a:rPr>
+              <a:t>to </a:t>
+            </a:r>
+            <a:r>
+              <a:rPr lang="en-US" sz="2000" b="1" i="1" dirty="0" smtClean="0">
+                <a:latin typeface="Calibri" panose="020F0502020204030204" pitchFamily="34" charset="0"/>
+                <a:cs typeface="Calibri" panose="020F0502020204030204" pitchFamily="34" charset="0"/>
+              </a:rPr>
+              <a:t>recognize </a:t>
+            </a:r>
+            <a:r>
+              <a:rPr lang="en-US" sz="2000" b="1" i="1" dirty="0">
+                <a:latin typeface="Calibri" panose="020F0502020204030204" pitchFamily="34" charset="0"/>
+                <a:cs typeface="Calibri" panose="020F0502020204030204" pitchFamily="34" charset="0"/>
+              </a:rPr>
+              <a:t>the risks </a:t>
+            </a:r>
+            <a:r>
+              <a:rPr lang="en-US" sz="2000" i="1" dirty="0">
+                <a:latin typeface="Calibri" panose="020F0502020204030204" pitchFamily="34" charset="0"/>
+                <a:cs typeface="Calibri" panose="020F0502020204030204" pitchFamily="34" charset="0"/>
+              </a:rPr>
+              <a:t>and become </a:t>
+            </a:r>
+            <a:r>
+              <a:rPr lang="en-US" sz="2000" i="1" dirty="0" smtClean="0">
+                <a:latin typeface="Calibri" panose="020F0502020204030204" pitchFamily="34" charset="0"/>
+                <a:cs typeface="Calibri" panose="020F0502020204030204" pitchFamily="34" charset="0"/>
+              </a:rPr>
+              <a:t>familiar with </a:t>
+            </a:r>
+            <a:r>
+              <a:rPr lang="en-US" sz="2000" i="1" dirty="0">
+                <a:latin typeface="Calibri" panose="020F0502020204030204" pitchFamily="34" charset="0"/>
+                <a:cs typeface="Calibri" panose="020F0502020204030204" pitchFamily="34" charset="0"/>
+              </a:rPr>
+              <a:t>some of the terminology associated</a:t>
+            </a:r>
+          </a:p>
+          <a:p>
+            <a:r>
+              <a:rPr lang="en-US" sz="2000" i="1" dirty="0">
+                <a:latin typeface="Calibri" panose="020F0502020204030204" pitchFamily="34" charset="0"/>
+                <a:cs typeface="Calibri" panose="020F0502020204030204" pitchFamily="34" charset="0"/>
+              </a:rPr>
+              <a:t>with them.</a:t>
+            </a:r>
+            <a:endParaRPr lang="en-US" sz="2000" i="1" dirty="0">
+              <a:latin typeface="Calibri" panose="020F0502020204030204" pitchFamily="34" charset="0"/>
+              <a:cs typeface="Calibri" panose="020F0502020204030204" pitchFamily="34" charset="0"/>
+            </a:endParaRPr>
+          </a:p>
+        </p:txBody>
+      </p:sp>
     </p:spTree>
     <p:extLst>
       <p:ext uri="{BB962C8B-B14F-4D97-AF65-F5344CB8AC3E}">
@@ -5972,10 +6211,164 @@
           <a:chExt cx="0" cy="0"/>
         </a:xfrm>
       </p:grpSpPr>
+      <p:sp>
+        <p:nvSpPr>
+          <p:cNvPr id="2" name="TextBox 1"/>
+          <p:cNvSpPr txBox="1"/>
+          <p:nvPr/>
+        </p:nvSpPr>
+        <p:spPr>
+          <a:xfrm>
+            <a:off x="1534066" y="952109"/>
+            <a:ext cx="7755213" cy="646331"/>
+          </a:xfrm>
+          <a:prstGeom prst="rect">
+            <a:avLst/>
+          </a:prstGeom>
+          <a:noFill/>
+        </p:spPr>
+        <p:txBody>
+          <a:bodyPr wrap="square" rtlCol="0">
+            <a:spAutoFit/>
+          </a:bodyPr>
+          <a:lstStyle/>
+          <a:p>
+            <a:r>
+              <a:rPr lang="en-US" sz="3600" b="1" dirty="0" smtClean="0">
+                <a:latin typeface="Calibri" panose="020F0502020204030204" pitchFamily="34" charset="0"/>
+                <a:cs typeface="Calibri" panose="020F0502020204030204" pitchFamily="34" charset="0"/>
+              </a:rPr>
+              <a:t>Commonly Used Attacking Techniques :</a:t>
+            </a:r>
+            <a:endParaRPr lang="en-US" sz="3600" b="1" dirty="0">
+              <a:latin typeface="Calibri" panose="020F0502020204030204" pitchFamily="34" charset="0"/>
+              <a:cs typeface="Calibri" panose="020F0502020204030204" pitchFamily="34" charset="0"/>
+            </a:endParaRPr>
+          </a:p>
+        </p:txBody>
+      </p:sp>
+      <p:sp>
+        <p:nvSpPr>
+          <p:cNvPr id="3" name="TextBox 2"/>
+          <p:cNvSpPr txBox="1"/>
+          <p:nvPr/>
+        </p:nvSpPr>
+        <p:spPr>
+          <a:xfrm>
+            <a:off x="1534066" y="1777902"/>
+            <a:ext cx="4482172" cy="3108543"/>
+          </a:xfrm>
+          <a:prstGeom prst="rect">
+            <a:avLst/>
+          </a:prstGeom>
+          <a:noFill/>
+        </p:spPr>
+        <p:txBody>
+          <a:bodyPr wrap="square" rtlCol="0">
+            <a:spAutoFit/>
+          </a:bodyPr>
+          <a:lstStyle/>
+          <a:p>
+            <a:pPr marL="457200" indent="-457200">
+              <a:buFont typeface="Wingdings" panose="05000000000000000000" pitchFamily="2" charset="2"/>
+              <a:buChar char="Ø"/>
+            </a:pPr>
+            <a:r>
+              <a:rPr lang="en-US" sz="2800" i="1" dirty="0" smtClean="0">
+                <a:latin typeface="Calibri" panose="020F0502020204030204" pitchFamily="34" charset="0"/>
+                <a:cs typeface="Calibri" panose="020F0502020204030204" pitchFamily="34" charset="0"/>
+              </a:rPr>
+              <a:t>Brute Force</a:t>
+            </a:r>
+          </a:p>
+          <a:p>
+            <a:pPr marL="457200" indent="-457200">
+              <a:buFont typeface="Wingdings" panose="05000000000000000000" pitchFamily="2" charset="2"/>
+              <a:buChar char="Ø"/>
+            </a:pPr>
+            <a:r>
+              <a:rPr lang="en-US" sz="2800" i="1" dirty="0" smtClean="0">
+                <a:latin typeface="Calibri" panose="020F0502020204030204" pitchFamily="34" charset="0"/>
+                <a:cs typeface="Calibri" panose="020F0502020204030204" pitchFamily="34" charset="0"/>
+              </a:rPr>
+              <a:t>SQL Injection</a:t>
+            </a:r>
+          </a:p>
+          <a:p>
+            <a:pPr marL="457200" indent="-457200">
+              <a:buFont typeface="Wingdings" panose="05000000000000000000" pitchFamily="2" charset="2"/>
+              <a:buChar char="Ø"/>
+            </a:pPr>
+            <a:r>
+              <a:rPr lang="en-US" sz="2800" i="1" dirty="0" smtClean="0">
+                <a:latin typeface="Calibri" panose="020F0502020204030204" pitchFamily="34" charset="0"/>
+                <a:cs typeface="Calibri" panose="020F0502020204030204" pitchFamily="34" charset="0"/>
+              </a:rPr>
+              <a:t>DOS (Denial Of Services)</a:t>
+            </a:r>
+          </a:p>
+          <a:p>
+            <a:pPr marL="457200" indent="-457200">
+              <a:buFont typeface="Wingdings" panose="05000000000000000000" pitchFamily="2" charset="2"/>
+              <a:buChar char="Ø"/>
+            </a:pPr>
+            <a:r>
+              <a:rPr lang="en-US" sz="2800" i="1" dirty="0">
+                <a:latin typeface="Calibri" panose="020F0502020204030204" pitchFamily="34" charset="0"/>
+                <a:cs typeface="Calibri" panose="020F0502020204030204" pitchFamily="34" charset="0"/>
+              </a:rPr>
+              <a:t>Social Engineering</a:t>
+            </a:r>
+          </a:p>
+          <a:p>
+            <a:pPr marL="457200" indent="-457200">
+              <a:buFont typeface="Wingdings" panose="05000000000000000000" pitchFamily="2" charset="2"/>
+              <a:buChar char="Ø"/>
+            </a:pPr>
+            <a:r>
+              <a:rPr lang="en-US" sz="2800" i="1" dirty="0">
+                <a:latin typeface="Calibri" panose="020F0502020204030204" pitchFamily="34" charset="0"/>
+                <a:cs typeface="Calibri" panose="020F0502020204030204" pitchFamily="34" charset="0"/>
+              </a:rPr>
+              <a:t>Google Hacking</a:t>
+            </a:r>
+          </a:p>
+          <a:p>
+            <a:pPr marL="457200" indent="-457200">
+              <a:buFont typeface="Wingdings" panose="05000000000000000000" pitchFamily="2" charset="2"/>
+              <a:buChar char="Ø"/>
+            </a:pPr>
+            <a:r>
+              <a:rPr lang="en-US" sz="2800" i="1" dirty="0">
+                <a:latin typeface="Calibri" panose="020F0502020204030204" pitchFamily="34" charset="0"/>
+                <a:cs typeface="Calibri" panose="020F0502020204030204" pitchFamily="34" charset="0"/>
+              </a:rPr>
+              <a:t>Fuzzing</a:t>
+            </a:r>
+          </a:p>
+          <a:p>
+            <a:pPr marL="457200" indent="-457200">
+              <a:buFont typeface="Wingdings" panose="05000000000000000000" pitchFamily="2" charset="2"/>
+              <a:buChar char="Ø"/>
+            </a:pPr>
+            <a:r>
+              <a:rPr lang="en-US" sz="2800" i="1" dirty="0" smtClean="0">
+                <a:latin typeface="Calibri" panose="020F0502020204030204" pitchFamily="34" charset="0"/>
+                <a:cs typeface="Calibri" panose="020F0502020204030204" pitchFamily="34" charset="0"/>
+              </a:rPr>
+              <a:t>Cross Site Scripting</a:t>
+            </a:r>
+            <a:endParaRPr lang="en-US" sz="2800" i="1" dirty="0">
+              <a:latin typeface="Calibri" panose="020F0502020204030204" pitchFamily="34" charset="0"/>
+              <a:cs typeface="Calibri" panose="020F0502020204030204" pitchFamily="34" charset="0"/>
+            </a:endParaRPr>
+          </a:p>
+        </p:txBody>
+      </p:sp>
     </p:spTree>
     <p:extLst>
       <p:ext uri="{BB962C8B-B14F-4D97-AF65-F5344CB8AC3E}">
-        <p14:creationId xmlns:p14="http://schemas.microsoft.com/office/powerpoint/2010/main" val="369515387"/>
+        <p14:creationId xmlns:p14="http://schemas.microsoft.com/office/powerpoint/2010/main" val="2976494343"/>
       </p:ext>
     </p:extLst>
   </p:cSld>
@@ -6012,7 +6405,7 @@
     </p:spTree>
     <p:extLst>
       <p:ext uri="{BB962C8B-B14F-4D97-AF65-F5344CB8AC3E}">
-        <p14:creationId xmlns:p14="http://schemas.microsoft.com/office/powerpoint/2010/main" val="2976494343"/>
+        <p14:creationId xmlns:p14="http://schemas.microsoft.com/office/powerpoint/2010/main" val="369515387"/>
       </p:ext>
     </p:extLst>
   </p:cSld>
@@ -6116,21 +6509,7 @@
                 <a:latin typeface="Calibri" panose="020F0502020204030204" pitchFamily="34" charset="0"/>
                 <a:cs typeface="Calibri" panose="020F0502020204030204" pitchFamily="34" charset="0"/>
               </a:rPr>
-              <a:t>Dr. </a:t>
-            </a:r>
-            <a:r>
-              <a:rPr lang="en-US" sz="2800" b="1" i="1" dirty="0" err="1" smtClean="0">
-                <a:latin typeface="Calibri" panose="020F0502020204030204" pitchFamily="34" charset="0"/>
-                <a:cs typeface="Calibri" panose="020F0502020204030204" pitchFamily="34" charset="0"/>
-              </a:rPr>
-              <a:t>Anu</a:t>
-            </a:r>
-            <a:r>
-              <a:rPr lang="en-US" sz="2800" b="1" i="1" dirty="0" smtClean="0">
-                <a:latin typeface="Calibri" panose="020F0502020204030204" pitchFamily="34" charset="0"/>
-                <a:cs typeface="Calibri" panose="020F0502020204030204" pitchFamily="34" charset="0"/>
-              </a:rPr>
-              <a:t> Gupta</a:t>
+              <a:t>Dr. Anu Gupta</a:t>
             </a:r>
             <a:endParaRPr lang="en-US" sz="2800" b="1" i="1" dirty="0">
               <a:latin typeface="Calibri" panose="020F0502020204030204" pitchFamily="34" charset="0"/>

--- a/Web Security.pptx
+++ b/Web Security.pptx
@@ -6,10 +6,25 @@
   </p:sldMasterIdLst>
   <p:sldIdLst>
     <p:sldId id="256" r:id="rId2"/>
-    <p:sldId id="257" r:id="rId3"/>
-    <p:sldId id="260" r:id="rId4"/>
-    <p:sldId id="259" r:id="rId5"/>
-    <p:sldId id="258" r:id="rId6"/>
+    <p:sldId id="261" r:id="rId3"/>
+    <p:sldId id="257" r:id="rId4"/>
+    <p:sldId id="262" r:id="rId5"/>
+    <p:sldId id="260" r:id="rId6"/>
+    <p:sldId id="263" r:id="rId7"/>
+    <p:sldId id="271" r:id="rId8"/>
+    <p:sldId id="272" r:id="rId9"/>
+    <p:sldId id="267" r:id="rId10"/>
+    <p:sldId id="273" r:id="rId11"/>
+    <p:sldId id="266" r:id="rId12"/>
+    <p:sldId id="274" r:id="rId13"/>
+    <p:sldId id="276" r:id="rId14"/>
+    <p:sldId id="269" r:id="rId15"/>
+    <p:sldId id="265" r:id="rId16"/>
+    <p:sldId id="275" r:id="rId17"/>
+    <p:sldId id="270" r:id="rId18"/>
+    <p:sldId id="268" r:id="rId19"/>
+    <p:sldId id="259" r:id="rId20"/>
+    <p:sldId id="258" r:id="rId21"/>
   </p:sldIdLst>
   <p:sldSz cx="12192000" cy="6858000"/>
   <p:notesSz cx="6858000" cy="9144000"/>
@@ -838,7 +853,7 @@
           <a:p>
             <a:fld id="{FAAE1254-1F09-4515-9838-FF43E75191E3}" type="datetimeFigureOut">
               <a:rPr lang="en-US" smtClean="0"/>
-              <a:t>21-Nov-17</a:t>
+              <a:t>11/23/2017</a:t>
             </a:fld>
             <a:endParaRPr lang="en-US"/>
           </a:p>
@@ -1089,7 +1104,7 @@
           <a:p>
             <a:fld id="{FAAE1254-1F09-4515-9838-FF43E75191E3}" type="datetimeFigureOut">
               <a:rPr lang="en-US" smtClean="0"/>
-              <a:t>21-Nov-17</a:t>
+              <a:t>11/23/2017</a:t>
             </a:fld>
             <a:endParaRPr lang="en-US"/>
           </a:p>
@@ -1403,7 +1418,7 @@
           <a:p>
             <a:fld id="{FAAE1254-1F09-4515-9838-FF43E75191E3}" type="datetimeFigureOut">
               <a:rPr lang="en-US" smtClean="0"/>
-              <a:t>21-Nov-17</a:t>
+              <a:t>11/23/2017</a:t>
             </a:fld>
             <a:endParaRPr lang="en-US"/>
           </a:p>
@@ -1744,7 +1759,7 @@
           <a:p>
             <a:fld id="{FAAE1254-1F09-4515-9838-FF43E75191E3}" type="datetimeFigureOut">
               <a:rPr lang="en-US" smtClean="0"/>
-              <a:t>21-Nov-17</a:t>
+              <a:t>11/23/2017</a:t>
             </a:fld>
             <a:endParaRPr lang="en-US"/>
           </a:p>
@@ -2058,7 +2073,7 @@
           <a:p>
             <a:fld id="{FAAE1254-1F09-4515-9838-FF43E75191E3}" type="datetimeFigureOut">
               <a:rPr lang="en-US" smtClean="0"/>
-              <a:t>21-Nov-17</a:t>
+              <a:t>11/23/2017</a:t>
             </a:fld>
             <a:endParaRPr lang="en-US"/>
           </a:p>
@@ -2451,7 +2466,7 @@
           <a:p>
             <a:fld id="{FAAE1254-1F09-4515-9838-FF43E75191E3}" type="datetimeFigureOut">
               <a:rPr lang="en-US" smtClean="0"/>
-              <a:t>21-Nov-17</a:t>
+              <a:t>11/23/2017</a:t>
             </a:fld>
             <a:endParaRPr lang="en-US"/>
           </a:p>
@@ -2621,7 +2636,7 @@
           <a:p>
             <a:fld id="{FAAE1254-1F09-4515-9838-FF43E75191E3}" type="datetimeFigureOut">
               <a:rPr lang="en-US" smtClean="0"/>
-              <a:t>21-Nov-17</a:t>
+              <a:t>11/23/2017</a:t>
             </a:fld>
             <a:endParaRPr lang="en-US"/>
           </a:p>
@@ -2801,7 +2816,7 @@
           <a:p>
             <a:fld id="{FAAE1254-1F09-4515-9838-FF43E75191E3}" type="datetimeFigureOut">
               <a:rPr lang="en-US" smtClean="0"/>
-              <a:t>21-Nov-17</a:t>
+              <a:t>11/23/2017</a:t>
             </a:fld>
             <a:endParaRPr lang="en-US"/>
           </a:p>
@@ -2977,7 +2992,7 @@
           <a:p>
             <a:fld id="{FAAE1254-1F09-4515-9838-FF43E75191E3}" type="datetimeFigureOut">
               <a:rPr lang="en-US" smtClean="0"/>
-              <a:t>21-Nov-17</a:t>
+              <a:t>11/23/2017</a:t>
             </a:fld>
             <a:endParaRPr lang="en-US"/>
           </a:p>
@@ -3224,7 +3239,7 @@
           <a:p>
             <a:fld id="{FAAE1254-1F09-4515-9838-FF43E75191E3}" type="datetimeFigureOut">
               <a:rPr lang="en-US" smtClean="0"/>
-              <a:t>21-Nov-17</a:t>
+              <a:t>11/23/2017</a:t>
             </a:fld>
             <a:endParaRPr lang="en-US"/>
           </a:p>
@@ -3456,7 +3471,7 @@
           <a:p>
             <a:fld id="{FAAE1254-1F09-4515-9838-FF43E75191E3}" type="datetimeFigureOut">
               <a:rPr lang="en-US" smtClean="0"/>
-              <a:t>21-Nov-17</a:t>
+              <a:t>11/23/2017</a:t>
             </a:fld>
             <a:endParaRPr lang="en-US"/>
           </a:p>
@@ -3830,7 +3845,7 @@
           <a:p>
             <a:fld id="{FAAE1254-1F09-4515-9838-FF43E75191E3}" type="datetimeFigureOut">
               <a:rPr lang="en-US" smtClean="0"/>
-              <a:t>21-Nov-17</a:t>
+              <a:t>11/23/2017</a:t>
             </a:fld>
             <a:endParaRPr lang="en-US"/>
           </a:p>
@@ -3953,7 +3968,7 @@
           <a:p>
             <a:fld id="{FAAE1254-1F09-4515-9838-FF43E75191E3}" type="datetimeFigureOut">
               <a:rPr lang="en-US" smtClean="0"/>
-              <a:t>21-Nov-17</a:t>
+              <a:t>11/23/2017</a:t>
             </a:fld>
             <a:endParaRPr lang="en-US"/>
           </a:p>
@@ -4048,7 +4063,7 @@
           <a:p>
             <a:fld id="{FAAE1254-1F09-4515-9838-FF43E75191E3}" type="datetimeFigureOut">
               <a:rPr lang="en-US" smtClean="0"/>
-              <a:t>21-Nov-17</a:t>
+              <a:t>11/23/2017</a:t>
             </a:fld>
             <a:endParaRPr lang="en-US"/>
           </a:p>
@@ -4303,7 +4318,7 @@
           <a:p>
             <a:fld id="{FAAE1254-1F09-4515-9838-FF43E75191E3}" type="datetimeFigureOut">
               <a:rPr lang="en-US" smtClean="0"/>
-              <a:t>21-Nov-17</a:t>
+              <a:t>11/23/2017</a:t>
             </a:fld>
             <a:endParaRPr lang="en-US"/>
           </a:p>
@@ -4566,7 +4581,7 @@
           <a:p>
             <a:fld id="{FAAE1254-1F09-4515-9838-FF43E75191E3}" type="datetimeFigureOut">
               <a:rPr lang="en-US" smtClean="0"/>
-              <a:t>21-Nov-17</a:t>
+              <a:t>11/23/2017</a:t>
             </a:fld>
             <a:endParaRPr lang="en-US"/>
           </a:p>
@@ -5309,7 +5324,7 @@
           <a:p>
             <a:fld id="{FAAE1254-1F09-4515-9838-FF43E75191E3}" type="datetimeFigureOut">
               <a:rPr lang="en-US" smtClean="0"/>
-              <a:t>21-Nov-17</a:t>
+              <a:t>11/23/2017</a:t>
             </a:fld>
             <a:endParaRPr lang="en-US"/>
           </a:p>
@@ -5918,7 +5933,7 @@
 </p:sld>
 </file>
 
-<file path=ppt/slides/slide2.xml><?xml version="1.0" encoding="utf-8"?>
+<file path=ppt/slides/slide10.xml><?xml version="1.0" encoding="utf-8"?>
 <p:sld xmlns:a="http://schemas.openxmlformats.org/drawingml/2006/main" xmlns:r="http://schemas.openxmlformats.org/officeDocument/2006/relationships" xmlns:p="http://schemas.openxmlformats.org/presentationml/2006/main">
   <p:cSld>
     <p:spTree>
@@ -5962,24 +5977,7 @@
                 <a:latin typeface="Calibri" panose="020F0502020204030204" pitchFamily="34" charset="0"/>
                 <a:cs typeface="Calibri" panose="020F0502020204030204" pitchFamily="34" charset="0"/>
               </a:rPr>
-              <a:t>What is </a:t>
-            </a:r>
-            <a:r>
-              <a:rPr lang="en-US" sz="3600" b="1" i="1" dirty="0" smtClean="0">
-                <a:solidFill>
-                  <a:srgbClr val="FF0000"/>
-                </a:solidFill>
-                <a:latin typeface="Calibri" panose="020F0502020204030204" pitchFamily="34" charset="0"/>
-                <a:cs typeface="Calibri" panose="020F0502020204030204" pitchFamily="34" charset="0"/>
-              </a:rPr>
-              <a:t>Web Security </a:t>
-            </a:r>
-            <a:r>
-              <a:rPr lang="en-US" sz="3600" b="1" dirty="0" smtClean="0">
-                <a:latin typeface="Calibri" panose="020F0502020204030204" pitchFamily="34" charset="0"/>
-                <a:cs typeface="Calibri" panose="020F0502020204030204" pitchFamily="34" charset="0"/>
-              </a:rPr>
-              <a:t>?</a:t>
+              <a:t>Brute | Remedy</a:t>
             </a:r>
             <a:endParaRPr lang="en-US" sz="3600" b="1" dirty="0">
               <a:latin typeface="Calibri" panose="020F0502020204030204" pitchFamily="34" charset="0"/>
@@ -5996,8 +5994,8 @@
         </p:nvSpPr>
         <p:spPr>
           <a:xfrm>
-            <a:off x="1534065" y="1606982"/>
-            <a:ext cx="7293741" cy="1631216"/>
+            <a:off x="1534066" y="1792339"/>
+            <a:ext cx="7293741" cy="2616101"/>
           </a:xfrm>
           <a:prstGeom prst="rect">
             <a:avLst/>
@@ -6011,12 +6009,88 @@
           <a:lstStyle/>
           <a:p>
             <a:r>
-              <a:rPr lang="en-US" sz="2000" i="1" dirty="0">
-                <a:latin typeface="Calibri" panose="020F0502020204030204" pitchFamily="34" charset="0"/>
-                <a:cs typeface="Calibri" panose="020F0502020204030204" pitchFamily="34" charset="0"/>
-              </a:rPr>
-              <a:t>Web application security, is a branch of Information Security that deals specifically with security of websites, web applications and web services. At a high level, Web application security draws on the principles of application security but applies them specifically to Internet and Web systems.</a:t>
-            </a:r>
+              <a:rPr lang="en-US" dirty="0" smtClean="0">
+                <a:solidFill>
+                  <a:srgbClr val="FF0000"/>
+                </a:solidFill>
+              </a:rPr>
+              <a:t>Use Captchas</a:t>
+            </a:r>
+            <a:r>
+              <a:rPr lang="en-US" dirty="0" smtClean="0"/>
+              <a:t/>
+            </a:r>
+            <a:br>
+              <a:rPr lang="en-US" dirty="0" smtClean="0"/>
+            </a:br>
+            <a:r>
+              <a:rPr lang="en-US" dirty="0" smtClean="0"/>
+              <a:t>It enables to distinguish between a machine and human.</a:t>
+            </a:r>
+            <a:br>
+              <a:rPr lang="en-US" dirty="0" smtClean="0"/>
+            </a:br>
+            <a:r>
+              <a:rPr lang="en-US" dirty="0" smtClean="0"/>
+              <a:t/>
+            </a:r>
+            <a:br>
+              <a:rPr lang="en-US" dirty="0" smtClean="0"/>
+            </a:br>
+            <a:r>
+              <a:rPr lang="en-US" dirty="0" smtClean="0">
+                <a:solidFill>
+                  <a:srgbClr val="FF0000"/>
+                </a:solidFill>
+              </a:rPr>
+              <a:t>IP Lockout</a:t>
+            </a:r>
+            <a:r>
+              <a:rPr lang="en-US" dirty="0" smtClean="0"/>
+              <a:t/>
+            </a:r>
+            <a:br>
+              <a:rPr lang="en-US" dirty="0" smtClean="0"/>
+            </a:br>
+            <a:r>
+              <a:rPr lang="en-US" dirty="0" smtClean="0"/>
+              <a:t>Lock out </a:t>
+            </a:r>
+            <a:r>
+              <a:rPr lang="en-US" dirty="0"/>
+              <a:t>t</a:t>
+            </a:r>
+            <a:r>
+              <a:rPr lang="en-US" dirty="0" smtClean="0"/>
+              <a:t>he IP with multiple login failures.</a:t>
+            </a:r>
+            <a:br>
+              <a:rPr lang="en-US" dirty="0" smtClean="0"/>
+            </a:br>
+            <a:r>
+              <a:rPr lang="en-US" dirty="0" smtClean="0"/>
+              <a:t/>
+            </a:r>
+            <a:br>
+              <a:rPr lang="en-US" dirty="0" smtClean="0"/>
+            </a:br>
+            <a:r>
+              <a:rPr lang="en-US" dirty="0" smtClean="0">
+                <a:solidFill>
+                  <a:srgbClr val="FF0000"/>
+                </a:solidFill>
+              </a:rPr>
+              <a:t>Delays</a:t>
+            </a:r>
+          </a:p>
+          <a:p>
+            <a:r>
+              <a:rPr lang="en-US" dirty="0" smtClean="0"/>
+              <a:t>Allow Random delays between login trials.</a:t>
+            </a:r>
+            <a:br>
+              <a:rPr lang="en-US" dirty="0" smtClean="0"/>
+            </a:br>
             <a:endParaRPr lang="en-US" sz="2000" i="1" dirty="0">
               <a:latin typeface="Calibri" panose="020F0502020204030204" pitchFamily="34" charset="0"/>
               <a:cs typeface="Calibri" panose="020F0502020204030204" pitchFamily="34" charset="0"/>
@@ -6024,160 +6098,10 @@
           </a:p>
         </p:txBody>
       </p:sp>
-      <p:sp>
-        <p:nvSpPr>
-          <p:cNvPr id="5" name="TextBox 4"/>
-          <p:cNvSpPr txBox="1"/>
-          <p:nvPr/>
-        </p:nvSpPr>
-        <p:spPr>
-          <a:xfrm>
-            <a:off x="1532639" y="3693887"/>
-            <a:ext cx="7755213" cy="646331"/>
-          </a:xfrm>
-          <a:prstGeom prst="rect">
-            <a:avLst/>
-          </a:prstGeom>
-          <a:noFill/>
-        </p:spPr>
-        <p:txBody>
-          <a:bodyPr wrap="square" rtlCol="0">
-            <a:spAutoFit/>
-          </a:bodyPr>
-          <a:lstStyle/>
-          <a:p>
-            <a:r>
-              <a:rPr lang="en-US" sz="3600" b="1" dirty="0">
-                <a:latin typeface="Calibri" panose="020F0502020204030204" pitchFamily="34" charset="0"/>
-                <a:cs typeface="Calibri" panose="020F0502020204030204" pitchFamily="34" charset="0"/>
-              </a:rPr>
-              <a:t>What can </a:t>
-            </a:r>
-            <a:r>
-              <a:rPr lang="en-US" sz="3600" b="1" dirty="0">
-                <a:solidFill>
-                  <a:srgbClr val="FF0000"/>
-                </a:solidFill>
-                <a:latin typeface="Calibri" panose="020F0502020204030204" pitchFamily="34" charset="0"/>
-                <a:cs typeface="Calibri" panose="020F0502020204030204" pitchFamily="34" charset="0"/>
-              </a:rPr>
-              <a:t>Web </a:t>
-            </a:r>
-            <a:r>
-              <a:rPr lang="en-US" sz="3600" b="1" dirty="0" smtClean="0">
-                <a:solidFill>
-                  <a:srgbClr val="FF0000"/>
-                </a:solidFill>
-                <a:latin typeface="Calibri" panose="020F0502020204030204" pitchFamily="34" charset="0"/>
-                <a:cs typeface="Calibri" panose="020F0502020204030204" pitchFamily="34" charset="0"/>
-              </a:rPr>
-              <a:t>Users </a:t>
-            </a:r>
-            <a:r>
-              <a:rPr lang="en-US" sz="3600" b="1" dirty="0" smtClean="0">
-                <a:latin typeface="Calibri" panose="020F0502020204030204" pitchFamily="34" charset="0"/>
-                <a:cs typeface="Calibri" panose="020F0502020204030204" pitchFamily="34" charset="0"/>
-              </a:rPr>
-              <a:t>do ?</a:t>
-            </a:r>
-            <a:endParaRPr lang="en-US" sz="3600" b="1" dirty="0">
-              <a:latin typeface="Calibri" panose="020F0502020204030204" pitchFamily="34" charset="0"/>
-              <a:cs typeface="Calibri" panose="020F0502020204030204" pitchFamily="34" charset="0"/>
-            </a:endParaRPr>
-          </a:p>
-        </p:txBody>
-      </p:sp>
-      <p:sp>
-        <p:nvSpPr>
-          <p:cNvPr id="6" name="TextBox 5"/>
-          <p:cNvSpPr txBox="1"/>
-          <p:nvPr/>
-        </p:nvSpPr>
-        <p:spPr>
-          <a:xfrm>
-            <a:off x="1532639" y="4348760"/>
-            <a:ext cx="7295168" cy="1015663"/>
-          </a:xfrm>
-          <a:prstGeom prst="rect">
-            <a:avLst/>
-          </a:prstGeom>
-          <a:noFill/>
-        </p:spPr>
-        <p:txBody>
-          <a:bodyPr wrap="square" rtlCol="0">
-            <a:spAutoFit/>
-          </a:bodyPr>
-          <a:lstStyle/>
-          <a:p>
-            <a:r>
-              <a:rPr lang="en-US" sz="2000" i="1" dirty="0">
-                <a:latin typeface="Calibri" panose="020F0502020204030204" pitchFamily="34" charset="0"/>
-                <a:cs typeface="Calibri" panose="020F0502020204030204" pitchFamily="34" charset="0"/>
-              </a:rPr>
-              <a:t>The first step in protecting yourself is </a:t>
-            </a:r>
-            <a:r>
-              <a:rPr lang="en-US" sz="2000" i="1" dirty="0" smtClean="0">
-                <a:latin typeface="Calibri" panose="020F0502020204030204" pitchFamily="34" charset="0"/>
-                <a:cs typeface="Calibri" panose="020F0502020204030204" pitchFamily="34" charset="0"/>
-              </a:rPr>
-              <a:t>to </a:t>
-            </a:r>
-            <a:r>
-              <a:rPr lang="en-US" sz="2000" b="1" i="1" dirty="0" smtClean="0">
-                <a:latin typeface="Calibri" panose="020F0502020204030204" pitchFamily="34" charset="0"/>
-                <a:cs typeface="Calibri" panose="020F0502020204030204" pitchFamily="34" charset="0"/>
-              </a:rPr>
-              <a:t>recognize </a:t>
-            </a:r>
-            <a:r>
-              <a:rPr lang="en-US" sz="2000" b="1" i="1" dirty="0">
-                <a:latin typeface="Calibri" panose="020F0502020204030204" pitchFamily="34" charset="0"/>
-                <a:cs typeface="Calibri" panose="020F0502020204030204" pitchFamily="34" charset="0"/>
-              </a:rPr>
-              <a:t>the risks </a:t>
-            </a:r>
-            <a:r>
-              <a:rPr lang="en-US" sz="2000" i="1" dirty="0">
-                <a:latin typeface="Calibri" panose="020F0502020204030204" pitchFamily="34" charset="0"/>
-                <a:cs typeface="Calibri" panose="020F0502020204030204" pitchFamily="34" charset="0"/>
-              </a:rPr>
-              <a:t>and become </a:t>
-            </a:r>
-            <a:r>
-              <a:rPr lang="en-US" sz="2000" i="1" dirty="0" smtClean="0">
-                <a:latin typeface="Calibri" panose="020F0502020204030204" pitchFamily="34" charset="0"/>
-                <a:cs typeface="Calibri" panose="020F0502020204030204" pitchFamily="34" charset="0"/>
-              </a:rPr>
-              <a:t>familiar with </a:t>
-            </a:r>
-            <a:r>
-              <a:rPr lang="en-US" sz="2000" i="1" dirty="0">
-                <a:latin typeface="Calibri" panose="020F0502020204030204" pitchFamily="34" charset="0"/>
-                <a:cs typeface="Calibri" panose="020F0502020204030204" pitchFamily="34" charset="0"/>
-              </a:rPr>
-              <a:t>some of the terminology associated</a:t>
-            </a:r>
-          </a:p>
-          <a:p>
-            <a:r>
-              <a:rPr lang="en-US" sz="2000" i="1" dirty="0">
-                <a:latin typeface="Calibri" panose="020F0502020204030204" pitchFamily="34" charset="0"/>
-                <a:cs typeface="Calibri" panose="020F0502020204030204" pitchFamily="34" charset="0"/>
-              </a:rPr>
-              <a:t>with them.</a:t>
-            </a:r>
-            <a:endParaRPr lang="en-US" sz="2000" i="1" dirty="0">
-              <a:latin typeface="Calibri" panose="020F0502020204030204" pitchFamily="34" charset="0"/>
-              <a:cs typeface="Calibri" panose="020F0502020204030204" pitchFamily="34" charset="0"/>
-            </a:endParaRPr>
-          </a:p>
-        </p:txBody>
-      </p:sp>
     </p:spTree>
     <p:extLst>
       <p:ext uri="{BB962C8B-B14F-4D97-AF65-F5344CB8AC3E}">
-        <p14:creationId xmlns:p14="http://schemas.microsoft.com/office/powerpoint/2010/main" val="2078656987"/>
+        <p14:creationId xmlns:p14="http://schemas.microsoft.com/office/powerpoint/2010/main" val="25270768"/>
       </p:ext>
     </p:extLst>
   </p:cSld>
@@ -6194,7 +6118,7 @@
 </p:sld>
 </file>
 
-<file path=ppt/slides/slide3.xml><?xml version="1.0" encoding="utf-8"?>
+<file path=ppt/slides/slide11.xml><?xml version="1.0" encoding="utf-8"?>
 <p:sld xmlns:a="http://schemas.openxmlformats.org/drawingml/2006/main" xmlns:r="http://schemas.openxmlformats.org/officeDocument/2006/relationships" xmlns:p="http://schemas.openxmlformats.org/presentationml/2006/main">
   <p:cSld>
     <p:spTree>
@@ -6213,13 +6137,13 @@
       </p:grpSpPr>
       <p:sp>
         <p:nvSpPr>
-          <p:cNvPr id="2" name="TextBox 1"/>
+          <p:cNvPr id="3" name="TextBox 2"/>
           <p:cNvSpPr txBox="1"/>
           <p:nvPr/>
         </p:nvSpPr>
         <p:spPr>
           <a:xfrm>
-            <a:off x="1534066" y="952109"/>
+            <a:off x="1532638" y="938423"/>
             <a:ext cx="7755213" cy="646331"/>
           </a:xfrm>
           <a:prstGeom prst="rect">
@@ -6238,7 +6162,14 @@
                 <a:latin typeface="Calibri" panose="020F0502020204030204" pitchFamily="34" charset="0"/>
                 <a:cs typeface="Calibri" panose="020F0502020204030204" pitchFamily="34" charset="0"/>
               </a:rPr>
-              <a:t>Commonly Used Attacking Techniques :</a:t>
+              <a:t>SQL Injection or </a:t>
+            </a:r>
+            <a:r>
+              <a:rPr lang="en-US" sz="3600" b="1" dirty="0" err="1" smtClean="0">
+                <a:latin typeface="Calibri" panose="020F0502020204030204" pitchFamily="34" charset="0"/>
+                <a:cs typeface="Calibri" panose="020F0502020204030204" pitchFamily="34" charset="0"/>
+              </a:rPr>
+              <a:t>SQLi</a:t>
             </a:r>
             <a:endParaRPr lang="en-US" sz="3600" b="1" dirty="0">
               <a:latin typeface="Calibri" panose="020F0502020204030204" pitchFamily="34" charset="0"/>
@@ -6249,14 +6180,14 @@
       </p:sp>
       <p:sp>
         <p:nvSpPr>
-          <p:cNvPr id="3" name="TextBox 2"/>
+          <p:cNvPr id="4" name="TextBox 3"/>
           <p:cNvSpPr txBox="1"/>
           <p:nvPr/>
         </p:nvSpPr>
         <p:spPr>
           <a:xfrm>
-            <a:off x="1534066" y="1777902"/>
-            <a:ext cx="4482172" cy="3108543"/>
+            <a:off x="1534065" y="1903544"/>
+            <a:ext cx="7293741" cy="707886"/>
           </a:xfrm>
           <a:prstGeom prst="rect">
             <a:avLst/>
@@ -6269,106 +6200,104 @@
           </a:bodyPr>
           <a:lstStyle/>
           <a:p>
-            <a:pPr marL="457200" indent="-457200">
-              <a:buFont typeface="Wingdings" panose="05000000000000000000" pitchFamily="2" charset="2"/>
-              <a:buChar char="Ø"/>
-            </a:pPr>
-            <a:r>
-              <a:rPr lang="en-US" sz="2800" i="1" dirty="0" smtClean="0">
-                <a:latin typeface="Calibri" panose="020F0502020204030204" pitchFamily="34" charset="0"/>
-                <a:cs typeface="Calibri" panose="020F0502020204030204" pitchFamily="34" charset="0"/>
-              </a:rPr>
-              <a:t>Brute Force</a:t>
-            </a:r>
-          </a:p>
-          <a:p>
-            <a:pPr marL="457200" indent="-457200">
-              <a:buFont typeface="Wingdings" panose="05000000000000000000" pitchFamily="2" charset="2"/>
-              <a:buChar char="Ø"/>
-            </a:pPr>
-            <a:r>
-              <a:rPr lang="en-US" sz="2800" i="1" dirty="0" smtClean="0">
-                <a:latin typeface="Calibri" panose="020F0502020204030204" pitchFamily="34" charset="0"/>
-                <a:cs typeface="Calibri" panose="020F0502020204030204" pitchFamily="34" charset="0"/>
-              </a:rPr>
-              <a:t>SQL Injection</a:t>
-            </a:r>
-          </a:p>
-          <a:p>
-            <a:pPr marL="457200" indent="-457200">
-              <a:buFont typeface="Wingdings" panose="05000000000000000000" pitchFamily="2" charset="2"/>
-              <a:buChar char="Ø"/>
-            </a:pPr>
-            <a:r>
-              <a:rPr lang="en-US" sz="2800" i="1" dirty="0" smtClean="0">
-                <a:latin typeface="Calibri" panose="020F0502020204030204" pitchFamily="34" charset="0"/>
-                <a:cs typeface="Calibri" panose="020F0502020204030204" pitchFamily="34" charset="0"/>
-              </a:rPr>
-              <a:t>DOS (Denial Of Services)</a:t>
-            </a:r>
-          </a:p>
-          <a:p>
-            <a:pPr marL="457200" indent="-457200">
-              <a:buFont typeface="Wingdings" panose="05000000000000000000" pitchFamily="2" charset="2"/>
-              <a:buChar char="Ø"/>
-            </a:pPr>
-            <a:r>
-              <a:rPr lang="en-US" sz="2800" i="1" dirty="0">
-                <a:latin typeface="Calibri" panose="020F0502020204030204" pitchFamily="34" charset="0"/>
-                <a:cs typeface="Calibri" panose="020F0502020204030204" pitchFamily="34" charset="0"/>
-              </a:rPr>
-              <a:t>Social Engineering</a:t>
-            </a:r>
-          </a:p>
-          <a:p>
-            <a:pPr marL="457200" indent="-457200">
-              <a:buFont typeface="Wingdings" panose="05000000000000000000" pitchFamily="2" charset="2"/>
-              <a:buChar char="Ø"/>
-            </a:pPr>
-            <a:r>
-              <a:rPr lang="en-US" sz="2800" i="1" dirty="0">
-                <a:latin typeface="Calibri" panose="020F0502020204030204" pitchFamily="34" charset="0"/>
-                <a:cs typeface="Calibri" panose="020F0502020204030204" pitchFamily="34" charset="0"/>
-              </a:rPr>
-              <a:t>Google Hacking</a:t>
-            </a:r>
-          </a:p>
-          <a:p>
-            <a:pPr marL="457200" indent="-457200">
-              <a:buFont typeface="Wingdings" panose="05000000000000000000" pitchFamily="2" charset="2"/>
-              <a:buChar char="Ø"/>
-            </a:pPr>
-            <a:r>
-              <a:rPr lang="en-US" sz="2800" i="1" dirty="0">
-                <a:latin typeface="Calibri" panose="020F0502020204030204" pitchFamily="34" charset="0"/>
-                <a:cs typeface="Calibri" panose="020F0502020204030204" pitchFamily="34" charset="0"/>
-              </a:rPr>
-              <a:t>Fuzzing</a:t>
-            </a:r>
-          </a:p>
-          <a:p>
-            <a:pPr marL="457200" indent="-457200">
-              <a:buFont typeface="Wingdings" panose="05000000000000000000" pitchFamily="2" charset="2"/>
-              <a:buChar char="Ø"/>
-            </a:pPr>
-            <a:r>
-              <a:rPr lang="en-US" sz="2800" i="1" dirty="0" smtClean="0">
-                <a:latin typeface="Calibri" panose="020F0502020204030204" pitchFamily="34" charset="0"/>
-                <a:cs typeface="Calibri" panose="020F0502020204030204" pitchFamily="34" charset="0"/>
-              </a:rPr>
-              <a:t>Cross Site Scripting</a:t>
-            </a:r>
-            <a:endParaRPr lang="en-US" sz="2800" i="1" dirty="0">
+            <a:r>
+              <a:rPr lang="en-US" sz="2000" dirty="0" smtClean="0"/>
+              <a:t>Enter </a:t>
+            </a:r>
+            <a:r>
+              <a:rPr lang="en-US" sz="2000" dirty="0"/>
+              <a:t>carefully crafted data that causes the input to be interpreted as part of a SQL query instead of </a:t>
+            </a:r>
+            <a:r>
+              <a:rPr lang="en-US" sz="2000" dirty="0" smtClean="0"/>
+              <a:t>data.</a:t>
+            </a:r>
+            <a:endParaRPr lang="en-US" sz="2000" i="1" dirty="0">
               <a:latin typeface="Calibri" panose="020F0502020204030204" pitchFamily="34" charset="0"/>
               <a:cs typeface="Calibri" panose="020F0502020204030204" pitchFamily="34" charset="0"/>
             </a:endParaRPr>
           </a:p>
         </p:txBody>
       </p:sp>
+      <p:sp>
+        <p:nvSpPr>
+          <p:cNvPr id="6" name="TextBox 5"/>
+          <p:cNvSpPr txBox="1"/>
+          <p:nvPr/>
+        </p:nvSpPr>
+        <p:spPr>
+          <a:xfrm>
+            <a:off x="1532638" y="3249009"/>
+            <a:ext cx="7295168" cy="2246769"/>
+          </a:xfrm>
+          <a:prstGeom prst="rect">
+            <a:avLst/>
+          </a:prstGeom>
+          <a:noFill/>
+        </p:spPr>
+        <p:txBody>
+          <a:bodyPr wrap="square" rtlCol="0">
+            <a:spAutoFit/>
+          </a:bodyPr>
+          <a:lstStyle/>
+          <a:p>
+            <a:r>
+              <a:rPr lang="en-US" sz="2000" dirty="0" smtClean="0"/>
+              <a:t>Consequences </a:t>
+            </a:r>
+            <a:r>
+              <a:rPr lang="en-US" sz="2000" dirty="0"/>
+              <a:t>of a SQL injection attack could be</a:t>
+            </a:r>
+            <a:r>
+              <a:rPr lang="en-US" sz="2000" dirty="0" smtClean="0"/>
+              <a:t>:</a:t>
+            </a:r>
+            <a:br>
+              <a:rPr lang="en-US" sz="2000" dirty="0" smtClean="0"/>
+            </a:br>
+            <a:r>
+              <a:rPr lang="en-US" sz="2000" dirty="0" smtClean="0"/>
+              <a:t> </a:t>
+            </a:r>
+            <a:endParaRPr lang="en-US" sz="2000" dirty="0"/>
+          </a:p>
+          <a:p>
+            <a:r>
+              <a:rPr lang="en-US" sz="2000" dirty="0"/>
+              <a:t>Loss of data confidentiality </a:t>
+            </a:r>
+          </a:p>
+          <a:p>
+            <a:r>
+              <a:rPr lang="en-US" sz="2000" dirty="0"/>
+              <a:t>Loss of data integrity </a:t>
+            </a:r>
+          </a:p>
+          <a:p>
+            <a:r>
+              <a:rPr lang="en-US" sz="2000" dirty="0"/>
+              <a:t>Loss of data </a:t>
+            </a:r>
+          </a:p>
+          <a:p>
+            <a:r>
+              <a:rPr lang="en-US" sz="2000" dirty="0"/>
+              <a:t>Compromise of the entire network </a:t>
+            </a:r>
+          </a:p>
+          <a:p>
+            <a:endParaRPr lang="en-US" sz="2000" i="1" dirty="0">
+              <a:latin typeface="Calibri" panose="020F0502020204030204" pitchFamily="34" charset="0"/>
+              <a:cs typeface="Calibri" panose="020F0502020204030204" pitchFamily="34" charset="0"/>
+            </a:endParaRPr>
+          </a:p>
+        </p:txBody>
+      </p:sp>
     </p:spTree>
     <p:extLst>
       <p:ext uri="{BB962C8B-B14F-4D97-AF65-F5344CB8AC3E}">
-        <p14:creationId xmlns:p14="http://schemas.microsoft.com/office/powerpoint/2010/main" val="2976494343"/>
+        <p14:creationId xmlns:p14="http://schemas.microsoft.com/office/powerpoint/2010/main" val="2197493577"/>
       </p:ext>
     </p:extLst>
   </p:cSld>
@@ -6385,7 +6314,1031 @@
 </p:sld>
 </file>
 
-<file path=ppt/slides/slide4.xml><?xml version="1.0" encoding="utf-8"?>
+<file path=ppt/slides/slide12.xml><?xml version="1.0" encoding="utf-8"?>
+<p:sld xmlns:a="http://schemas.openxmlformats.org/drawingml/2006/main" xmlns:r="http://schemas.openxmlformats.org/officeDocument/2006/relationships" xmlns:p="http://schemas.openxmlformats.org/presentationml/2006/main">
+  <p:cSld>
+    <p:spTree>
+      <p:nvGrpSpPr>
+        <p:cNvPr id="1" name=""/>
+        <p:cNvGrpSpPr/>
+        <p:nvPr/>
+      </p:nvGrpSpPr>
+      <p:grpSpPr>
+        <a:xfrm>
+          <a:off x="0" y="0"/>
+          <a:ext cx="0" cy="0"/>
+          <a:chOff x="0" y="0"/>
+          <a:chExt cx="0" cy="0"/>
+        </a:xfrm>
+      </p:grpSpPr>
+      <p:sp>
+        <p:nvSpPr>
+          <p:cNvPr id="3" name="TextBox 2"/>
+          <p:cNvSpPr txBox="1"/>
+          <p:nvPr/>
+        </p:nvSpPr>
+        <p:spPr>
+          <a:xfrm>
+            <a:off x="1532638" y="938423"/>
+            <a:ext cx="7755213" cy="646331"/>
+          </a:xfrm>
+          <a:prstGeom prst="rect">
+            <a:avLst/>
+          </a:prstGeom>
+          <a:noFill/>
+        </p:spPr>
+        <p:txBody>
+          <a:bodyPr wrap="square" rtlCol="0">
+            <a:spAutoFit/>
+          </a:bodyPr>
+          <a:lstStyle/>
+          <a:p>
+            <a:r>
+              <a:rPr lang="en-US" sz="3600" b="1" dirty="0" err="1" smtClean="0">
+                <a:latin typeface="Calibri" panose="020F0502020204030204" pitchFamily="34" charset="0"/>
+                <a:cs typeface="Calibri" panose="020F0502020204030204" pitchFamily="34" charset="0"/>
+              </a:rPr>
+              <a:t>SQLi</a:t>
+            </a:r>
+            <a:r>
+              <a:rPr lang="en-US" sz="3600" b="1" dirty="0" smtClean="0">
+                <a:latin typeface="Calibri" panose="020F0502020204030204" pitchFamily="34" charset="0"/>
+                <a:cs typeface="Calibri" panose="020F0502020204030204" pitchFamily="34" charset="0"/>
+              </a:rPr>
+              <a:t> | Remedy</a:t>
+            </a:r>
+            <a:endParaRPr lang="en-US" sz="3600" b="1" dirty="0">
+              <a:latin typeface="Calibri" panose="020F0502020204030204" pitchFamily="34" charset="0"/>
+              <a:cs typeface="Calibri" panose="020F0502020204030204" pitchFamily="34" charset="0"/>
+            </a:endParaRPr>
+          </a:p>
+        </p:txBody>
+      </p:sp>
+      <p:sp>
+        <p:nvSpPr>
+          <p:cNvPr id="4" name="TextBox 3"/>
+          <p:cNvSpPr txBox="1"/>
+          <p:nvPr/>
+        </p:nvSpPr>
+        <p:spPr>
+          <a:xfrm>
+            <a:off x="1534065" y="1903544"/>
+            <a:ext cx="7293741" cy="2523768"/>
+          </a:xfrm>
+          <a:prstGeom prst="rect">
+            <a:avLst/>
+          </a:prstGeom>
+          <a:noFill/>
+        </p:spPr>
+        <p:txBody>
+          <a:bodyPr wrap="square" rtlCol="0">
+            <a:spAutoFit/>
+          </a:bodyPr>
+          <a:lstStyle/>
+          <a:p>
+            <a:r>
+              <a:rPr lang="en-US" sz="2000" b="1" dirty="0">
+                <a:solidFill>
+                  <a:srgbClr val="FF0000"/>
+                </a:solidFill>
+              </a:rPr>
+              <a:t>Don't use dynamic SQL </a:t>
+            </a:r>
+            <a:r>
+              <a:rPr lang="en-US" sz="2000" b="1" dirty="0"/>
+              <a:t>when it can be avoided: </a:t>
+            </a:r>
+            <a:r>
+              <a:rPr lang="en-US" sz="2000" dirty="0"/>
+              <a:t>used prepared statements, parameterized queries or stored procedures instead whenever possible. </a:t>
+            </a:r>
+            <a:r>
+              <a:rPr lang="en-US" sz="2000" dirty="0" smtClean="0"/>
+              <a:t/>
+            </a:r>
+            <a:br>
+              <a:rPr lang="en-US" sz="2000" dirty="0" smtClean="0"/>
+            </a:br>
+            <a:r>
+              <a:rPr lang="en-US" sz="2000" dirty="0" smtClean="0"/>
+              <a:t/>
+            </a:r>
+            <a:br>
+              <a:rPr lang="en-US" sz="2000" dirty="0" smtClean="0"/>
+            </a:br>
+            <a:r>
+              <a:rPr lang="en-US" sz="2000" b="1" dirty="0">
+                <a:solidFill>
+                  <a:srgbClr val="FF0000"/>
+                </a:solidFill>
+              </a:rPr>
+              <a:t>Use appropriate privileges</a:t>
+            </a:r>
+            <a:r>
+              <a:rPr lang="en-US" sz="2000" b="1" dirty="0" smtClean="0"/>
+              <a:t>:</a:t>
+            </a:r>
+            <a:r>
+              <a:rPr lang="en-US" sz="2000" dirty="0" smtClean="0"/>
+              <a:t> </a:t>
+            </a:r>
+            <a:r>
+              <a:rPr lang="en-US" sz="2000" dirty="0"/>
+              <a:t>Using a limited access account is far safer, and can limit what a hacker is able to do. </a:t>
+            </a:r>
+            <a:r>
+              <a:rPr lang="en-US" sz="2000" dirty="0" smtClean="0"/>
+              <a:t/>
+            </a:r>
+            <a:br>
+              <a:rPr lang="en-US" sz="2000" dirty="0" smtClean="0"/>
+            </a:br>
+            <a:r>
+              <a:rPr lang="en-US" sz="2000" dirty="0" smtClean="0"/>
+              <a:t/>
+            </a:r>
+            <a:br>
+              <a:rPr lang="en-US" sz="2000" dirty="0" smtClean="0"/>
+            </a:br>
+            <a:r>
+              <a:rPr lang="en-US" dirty="0">
+                <a:solidFill>
+                  <a:srgbClr val="FF0000"/>
+                </a:solidFill>
+              </a:rPr>
+              <a:t>Escape/</a:t>
+            </a:r>
+            <a:r>
+              <a:rPr lang="en-US" dirty="0" err="1">
+                <a:solidFill>
+                  <a:srgbClr val="FF0000"/>
+                </a:solidFill>
+              </a:rPr>
+              <a:t>Quotesafe</a:t>
+            </a:r>
+            <a:r>
+              <a:rPr lang="en-US" dirty="0"/>
+              <a:t> the input (string quoting/parsing)</a:t>
+            </a:r>
+            <a:endParaRPr lang="en-US" sz="2000" i="1" dirty="0">
+              <a:latin typeface="Calibri" panose="020F0502020204030204" pitchFamily="34" charset="0"/>
+              <a:cs typeface="Calibri" panose="020F0502020204030204" pitchFamily="34" charset="0"/>
+            </a:endParaRPr>
+          </a:p>
+        </p:txBody>
+      </p:sp>
+    </p:spTree>
+    <p:extLst>
+      <p:ext uri="{BB962C8B-B14F-4D97-AF65-F5344CB8AC3E}">
+        <p14:creationId xmlns:p14="http://schemas.microsoft.com/office/powerpoint/2010/main" val="2276049881"/>
+      </p:ext>
+    </p:extLst>
+  </p:cSld>
+  <p:clrMapOvr>
+    <a:masterClrMapping/>
+  </p:clrMapOvr>
+  <p:timing>
+    <p:tnLst>
+      <p:par>
+        <p:cTn id="1" dur="indefinite" restart="never" nodeType="tmRoot"/>
+      </p:par>
+    </p:tnLst>
+  </p:timing>
+</p:sld>
+</file>
+
+<file path=ppt/slides/slide13.xml><?xml version="1.0" encoding="utf-8"?>
+<p:sld xmlns:a="http://schemas.openxmlformats.org/drawingml/2006/main" xmlns:r="http://schemas.openxmlformats.org/officeDocument/2006/relationships" xmlns:p="http://schemas.openxmlformats.org/presentationml/2006/main">
+  <p:cSld>
+    <p:spTree>
+      <p:nvGrpSpPr>
+        <p:cNvPr id="1" name=""/>
+        <p:cNvGrpSpPr/>
+        <p:nvPr/>
+      </p:nvGrpSpPr>
+      <p:grpSpPr>
+        <a:xfrm>
+          <a:off x="0" y="0"/>
+          <a:ext cx="0" cy="0"/>
+          <a:chOff x="0" y="0"/>
+          <a:chExt cx="0" cy="0"/>
+        </a:xfrm>
+      </p:grpSpPr>
+      <p:sp>
+        <p:nvSpPr>
+          <p:cNvPr id="3" name="TextBox 2"/>
+          <p:cNvSpPr txBox="1"/>
+          <p:nvPr/>
+        </p:nvSpPr>
+        <p:spPr>
+          <a:xfrm>
+            <a:off x="1534066" y="952109"/>
+            <a:ext cx="7755213" cy="646331"/>
+          </a:xfrm>
+          <a:prstGeom prst="rect">
+            <a:avLst/>
+          </a:prstGeom>
+          <a:noFill/>
+        </p:spPr>
+        <p:txBody>
+          <a:bodyPr wrap="square" rtlCol="0">
+            <a:spAutoFit/>
+          </a:bodyPr>
+          <a:lstStyle/>
+          <a:p>
+            <a:r>
+              <a:rPr lang="en-US" sz="3600" dirty="0"/>
+              <a:t>The Denial of Service (</a:t>
+            </a:r>
+            <a:r>
+              <a:rPr lang="en-US" sz="3600" dirty="0" err="1"/>
+              <a:t>DoS</a:t>
+            </a:r>
+            <a:r>
+              <a:rPr lang="en-US" sz="3600" dirty="0"/>
+              <a:t>) attack</a:t>
+            </a:r>
+            <a:endParaRPr lang="en-US" sz="3600" b="1" dirty="0">
+              <a:latin typeface="Calibri" panose="020F0502020204030204" pitchFamily="34" charset="0"/>
+              <a:cs typeface="Calibri" panose="020F0502020204030204" pitchFamily="34" charset="0"/>
+            </a:endParaRPr>
+          </a:p>
+        </p:txBody>
+      </p:sp>
+      <p:sp>
+        <p:nvSpPr>
+          <p:cNvPr id="6" name="TextBox 5"/>
+          <p:cNvSpPr txBox="1"/>
+          <p:nvPr/>
+        </p:nvSpPr>
+        <p:spPr>
+          <a:xfrm>
+            <a:off x="1534066" y="2099830"/>
+            <a:ext cx="7295168" cy="3477875"/>
+          </a:xfrm>
+          <a:prstGeom prst="rect">
+            <a:avLst/>
+          </a:prstGeom>
+          <a:noFill/>
+        </p:spPr>
+        <p:txBody>
+          <a:bodyPr wrap="square" rtlCol="0">
+            <a:spAutoFit/>
+          </a:bodyPr>
+          <a:lstStyle/>
+          <a:p>
+            <a:r>
+              <a:rPr lang="en-US" sz="2000" dirty="0" smtClean="0"/>
+              <a:t>Making </a:t>
+            </a:r>
+            <a:r>
+              <a:rPr lang="en-US" sz="2000" dirty="0"/>
+              <a:t>a </a:t>
+            </a:r>
+            <a:r>
+              <a:rPr lang="en-US" sz="2000" dirty="0">
+                <a:solidFill>
+                  <a:srgbClr val="FF0000"/>
+                </a:solidFill>
+              </a:rPr>
+              <a:t>resource (site, application, server) unavailable</a:t>
+            </a:r>
+            <a:r>
+              <a:rPr lang="en-US" sz="2000" dirty="0"/>
+              <a:t> for the purpose it was </a:t>
+            </a:r>
+            <a:r>
+              <a:rPr lang="en-US" sz="2000" dirty="0" smtClean="0"/>
+              <a:t>designed.</a:t>
+            </a:r>
+            <a:br>
+              <a:rPr lang="en-US" sz="2000" dirty="0" smtClean="0"/>
+            </a:br>
+            <a:r>
+              <a:rPr lang="en-US" sz="2000" dirty="0"/>
+              <a:t/>
+            </a:r>
+            <a:br>
+              <a:rPr lang="en-US" sz="2000" dirty="0"/>
+            </a:br>
+            <a:r>
+              <a:rPr lang="en-US" sz="2000" dirty="0"/>
+              <a:t>If a service receives a very </a:t>
+            </a:r>
+            <a:r>
+              <a:rPr lang="en-US" sz="2000" dirty="0">
+                <a:solidFill>
+                  <a:srgbClr val="FF0000"/>
+                </a:solidFill>
+              </a:rPr>
+              <a:t>large number of requests</a:t>
+            </a:r>
+            <a:r>
+              <a:rPr lang="en-US" sz="2000" dirty="0"/>
+              <a:t>, it may cease to be available to legitimate users.</a:t>
+            </a:r>
+            <a:br>
+              <a:rPr lang="en-US" sz="2000" dirty="0"/>
+            </a:br>
+            <a:r>
+              <a:rPr lang="en-US" sz="2000" dirty="0"/>
+              <a:t/>
+            </a:r>
+            <a:br>
+              <a:rPr lang="en-US" sz="2000" dirty="0"/>
+            </a:br>
+            <a:r>
+              <a:rPr lang="en-US" sz="2000" dirty="0" smtClean="0"/>
+              <a:t>Programming </a:t>
+            </a:r>
+            <a:r>
+              <a:rPr lang="en-US" sz="2000" dirty="0"/>
+              <a:t>vulnerability is </a:t>
+            </a:r>
+            <a:r>
+              <a:rPr lang="en-US" sz="2000" dirty="0" smtClean="0"/>
+              <a:t>exploited.</a:t>
+            </a:r>
+            <a:br>
+              <a:rPr lang="en-US" sz="2000" dirty="0" smtClean="0"/>
+            </a:br>
+            <a:r>
+              <a:rPr lang="en-US" sz="2000" dirty="0" smtClean="0"/>
+              <a:t/>
+            </a:r>
+            <a:br>
+              <a:rPr lang="en-US" sz="2000" dirty="0" smtClean="0"/>
+            </a:br>
+            <a:r>
+              <a:rPr lang="en-US" sz="2000" dirty="0" err="1" smtClean="0"/>
+              <a:t>DoS</a:t>
+            </a:r>
+            <a:r>
+              <a:rPr lang="en-US" sz="2000" dirty="0" smtClean="0"/>
+              <a:t/>
+            </a:r>
+            <a:br>
+              <a:rPr lang="en-US" sz="2000" dirty="0" smtClean="0"/>
+            </a:br>
+            <a:r>
+              <a:rPr lang="en-US" sz="2000" dirty="0" err="1" smtClean="0"/>
+              <a:t>DDoS</a:t>
+            </a:r>
+            <a:r>
+              <a:rPr lang="en-US" sz="2000" dirty="0" smtClean="0"/>
+              <a:t/>
+            </a:r>
+            <a:br>
+              <a:rPr lang="en-US" sz="2000" dirty="0" smtClean="0"/>
+            </a:br>
+            <a:r>
+              <a:rPr lang="en-US" sz="2000" dirty="0" smtClean="0"/>
+              <a:t>Reflected </a:t>
+            </a:r>
+            <a:r>
+              <a:rPr lang="en-US" sz="2000" dirty="0" err="1" smtClean="0"/>
+              <a:t>DoS</a:t>
+            </a:r>
+            <a:endParaRPr lang="en-US" sz="2000" i="1" dirty="0">
+              <a:latin typeface="Calibri" panose="020F0502020204030204" pitchFamily="34" charset="0"/>
+              <a:cs typeface="Calibri" panose="020F0502020204030204" pitchFamily="34" charset="0"/>
+            </a:endParaRPr>
+          </a:p>
+        </p:txBody>
+      </p:sp>
+    </p:spTree>
+    <p:extLst>
+      <p:ext uri="{BB962C8B-B14F-4D97-AF65-F5344CB8AC3E}">
+        <p14:creationId xmlns:p14="http://schemas.microsoft.com/office/powerpoint/2010/main" val="4228579279"/>
+      </p:ext>
+    </p:extLst>
+  </p:cSld>
+  <p:clrMapOvr>
+    <a:masterClrMapping/>
+  </p:clrMapOvr>
+  <p:timing>
+    <p:tnLst>
+      <p:par>
+        <p:cTn id="1" dur="indefinite" restart="never" nodeType="tmRoot"/>
+      </p:par>
+    </p:tnLst>
+  </p:timing>
+</p:sld>
+</file>
+
+<file path=ppt/slides/slide14.xml><?xml version="1.0" encoding="utf-8"?>
+<p:sld xmlns:a="http://schemas.openxmlformats.org/drawingml/2006/main" xmlns:r="http://schemas.openxmlformats.org/officeDocument/2006/relationships" xmlns:p="http://schemas.openxmlformats.org/presentationml/2006/main">
+  <p:cSld>
+    <p:spTree>
+      <p:nvGrpSpPr>
+        <p:cNvPr id="1" name=""/>
+        <p:cNvGrpSpPr/>
+        <p:nvPr/>
+      </p:nvGrpSpPr>
+      <p:grpSpPr>
+        <a:xfrm>
+          <a:off x="0" y="0"/>
+          <a:ext cx="0" cy="0"/>
+          <a:chOff x="0" y="0"/>
+          <a:chExt cx="0" cy="0"/>
+        </a:xfrm>
+      </p:grpSpPr>
+      <p:sp>
+        <p:nvSpPr>
+          <p:cNvPr id="3" name="TextBox 2"/>
+          <p:cNvSpPr txBox="1"/>
+          <p:nvPr/>
+        </p:nvSpPr>
+        <p:spPr>
+          <a:xfrm>
+            <a:off x="1534066" y="952109"/>
+            <a:ext cx="7755213" cy="646331"/>
+          </a:xfrm>
+          <a:prstGeom prst="rect">
+            <a:avLst/>
+          </a:prstGeom>
+          <a:noFill/>
+        </p:spPr>
+        <p:txBody>
+          <a:bodyPr wrap="square" rtlCol="0">
+            <a:spAutoFit/>
+          </a:bodyPr>
+          <a:lstStyle/>
+          <a:p>
+            <a:r>
+              <a:rPr lang="en-US" sz="3600" b="1" dirty="0" err="1" smtClean="0">
+                <a:latin typeface="Calibri" panose="020F0502020204030204" pitchFamily="34" charset="0"/>
+                <a:cs typeface="Calibri" panose="020F0502020204030204" pitchFamily="34" charset="0"/>
+              </a:rPr>
+              <a:t>DoS</a:t>
+            </a:r>
+            <a:r>
+              <a:rPr lang="en-US" sz="3600" b="1" dirty="0" smtClean="0">
+                <a:latin typeface="Calibri" panose="020F0502020204030204" pitchFamily="34" charset="0"/>
+                <a:cs typeface="Calibri" panose="020F0502020204030204" pitchFamily="34" charset="0"/>
+              </a:rPr>
+              <a:t> Attack | Remedies</a:t>
+            </a:r>
+            <a:endParaRPr lang="en-US" sz="3600" b="1" dirty="0">
+              <a:latin typeface="Calibri" panose="020F0502020204030204" pitchFamily="34" charset="0"/>
+              <a:cs typeface="Calibri" panose="020F0502020204030204" pitchFamily="34" charset="0"/>
+            </a:endParaRPr>
+          </a:p>
+        </p:txBody>
+      </p:sp>
+    </p:spTree>
+    <p:extLst>
+      <p:ext uri="{BB962C8B-B14F-4D97-AF65-F5344CB8AC3E}">
+        <p14:creationId xmlns:p14="http://schemas.microsoft.com/office/powerpoint/2010/main" val="2629963195"/>
+      </p:ext>
+    </p:extLst>
+  </p:cSld>
+  <p:clrMapOvr>
+    <a:masterClrMapping/>
+  </p:clrMapOvr>
+  <p:timing>
+    <p:tnLst>
+      <p:par>
+        <p:cTn id="1" dur="indefinite" restart="never" nodeType="tmRoot"/>
+      </p:par>
+    </p:tnLst>
+  </p:timing>
+</p:sld>
+</file>
+
+<file path=ppt/slides/slide15.xml><?xml version="1.0" encoding="utf-8"?>
+<p:sld xmlns:a="http://schemas.openxmlformats.org/drawingml/2006/main" xmlns:r="http://schemas.openxmlformats.org/officeDocument/2006/relationships" xmlns:p="http://schemas.openxmlformats.org/presentationml/2006/main">
+  <p:cSld>
+    <p:spTree>
+      <p:nvGrpSpPr>
+        <p:cNvPr id="1" name=""/>
+        <p:cNvGrpSpPr/>
+        <p:nvPr/>
+      </p:nvGrpSpPr>
+      <p:grpSpPr>
+        <a:xfrm>
+          <a:off x="0" y="0"/>
+          <a:ext cx="0" cy="0"/>
+          <a:chOff x="0" y="0"/>
+          <a:chExt cx="0" cy="0"/>
+        </a:xfrm>
+      </p:grpSpPr>
+      <p:sp>
+        <p:nvSpPr>
+          <p:cNvPr id="3" name="TextBox 2"/>
+          <p:cNvSpPr txBox="1"/>
+          <p:nvPr/>
+        </p:nvSpPr>
+        <p:spPr>
+          <a:xfrm>
+            <a:off x="1534066" y="952109"/>
+            <a:ext cx="7755213" cy="646331"/>
+          </a:xfrm>
+          <a:prstGeom prst="rect">
+            <a:avLst/>
+          </a:prstGeom>
+          <a:noFill/>
+        </p:spPr>
+        <p:txBody>
+          <a:bodyPr wrap="square" rtlCol="0">
+            <a:spAutoFit/>
+          </a:bodyPr>
+          <a:lstStyle/>
+          <a:p>
+            <a:r>
+              <a:rPr lang="en-US" sz="3600" b="1" dirty="0" smtClean="0">
+                <a:latin typeface="Calibri" panose="020F0502020204030204" pitchFamily="34" charset="0"/>
+                <a:cs typeface="Calibri" panose="020F0502020204030204" pitchFamily="34" charset="0"/>
+              </a:rPr>
+              <a:t>Session Hijacking</a:t>
+            </a:r>
+            <a:endParaRPr lang="en-US" sz="3600" b="1" dirty="0">
+              <a:latin typeface="Calibri" panose="020F0502020204030204" pitchFamily="34" charset="0"/>
+              <a:cs typeface="Calibri" panose="020F0502020204030204" pitchFamily="34" charset="0"/>
+            </a:endParaRPr>
+          </a:p>
+        </p:txBody>
+      </p:sp>
+      <p:sp>
+        <p:nvSpPr>
+          <p:cNvPr id="4" name="TextBox 3"/>
+          <p:cNvSpPr txBox="1"/>
+          <p:nvPr/>
+        </p:nvSpPr>
+        <p:spPr>
+          <a:xfrm>
+            <a:off x="1534065" y="2150685"/>
+            <a:ext cx="7293741" cy="2400657"/>
+          </a:xfrm>
+          <a:prstGeom prst="rect">
+            <a:avLst/>
+          </a:prstGeom>
+          <a:noFill/>
+        </p:spPr>
+        <p:txBody>
+          <a:bodyPr wrap="square" rtlCol="0">
+            <a:spAutoFit/>
+          </a:bodyPr>
+          <a:lstStyle/>
+          <a:p>
+            <a:r>
+              <a:rPr lang="en-US" sz="2000" dirty="0">
+                <a:solidFill>
+                  <a:srgbClr val="FF0000"/>
+                </a:solidFill>
+              </a:rPr>
+              <a:t>Taking control of a user session </a:t>
+            </a:r>
+            <a:r>
+              <a:rPr lang="en-US" sz="2000" dirty="0"/>
+              <a:t>after successfully obtaining or generating an authentication session ID</a:t>
+            </a:r>
+            <a:r>
+              <a:rPr lang="en-US" sz="2000" dirty="0" smtClean="0"/>
+              <a:t>.</a:t>
+            </a:r>
+            <a:br>
+              <a:rPr lang="en-US" sz="2000" dirty="0" smtClean="0"/>
+            </a:br>
+            <a:r>
+              <a:rPr lang="en-US" sz="2000" dirty="0" smtClean="0"/>
+              <a:t/>
+            </a:r>
+            <a:br>
+              <a:rPr lang="en-US" sz="2000" dirty="0" smtClean="0"/>
+            </a:br>
+            <a:r>
+              <a:rPr lang="en-US" dirty="0"/>
+              <a:t>E</a:t>
+            </a:r>
+            <a:r>
+              <a:rPr lang="en-US" dirty="0" smtClean="0"/>
+              <a:t>xploit </a:t>
+            </a:r>
+            <a:r>
+              <a:rPr lang="en-US" dirty="0"/>
+              <a:t>the vulnerability of a system which allows one person to fixate (set) another person's session identifier (SID</a:t>
+            </a:r>
+            <a:r>
+              <a:rPr lang="en-US" dirty="0" smtClean="0"/>
+              <a:t>).</a:t>
+            </a:r>
+            <a:br>
+              <a:rPr lang="en-US" dirty="0" smtClean="0"/>
+            </a:br>
+            <a:r>
+              <a:rPr lang="en-US" dirty="0" smtClean="0"/>
+              <a:t/>
+            </a:r>
+            <a:br>
+              <a:rPr lang="en-US" dirty="0" smtClean="0"/>
+            </a:br>
+            <a:r>
+              <a:rPr lang="en-US" dirty="0"/>
+              <a:t>Using Packet </a:t>
+            </a:r>
+            <a:r>
+              <a:rPr lang="en-US" dirty="0" smtClean="0"/>
+              <a:t>Sniffers</a:t>
+            </a:r>
+            <a:br>
+              <a:rPr lang="en-US" dirty="0" smtClean="0"/>
+            </a:br>
+            <a:r>
+              <a:rPr lang="en-US" dirty="0" smtClean="0"/>
+              <a:t>Spoofing</a:t>
+            </a:r>
+            <a:endParaRPr lang="en-US" i="1" dirty="0">
+              <a:latin typeface="Calibri" panose="020F0502020204030204" pitchFamily="34" charset="0"/>
+              <a:cs typeface="Calibri" panose="020F0502020204030204" pitchFamily="34" charset="0"/>
+            </a:endParaRPr>
+          </a:p>
+        </p:txBody>
+      </p:sp>
+    </p:spTree>
+    <p:extLst>
+      <p:ext uri="{BB962C8B-B14F-4D97-AF65-F5344CB8AC3E}">
+        <p14:creationId xmlns:p14="http://schemas.microsoft.com/office/powerpoint/2010/main" val="4224935886"/>
+      </p:ext>
+    </p:extLst>
+  </p:cSld>
+  <p:clrMapOvr>
+    <a:masterClrMapping/>
+  </p:clrMapOvr>
+  <p:timing>
+    <p:tnLst>
+      <p:par>
+        <p:cTn id="1" dur="indefinite" restart="never" nodeType="tmRoot"/>
+      </p:par>
+    </p:tnLst>
+  </p:timing>
+</p:sld>
+</file>
+
+<file path=ppt/slides/slide16.xml><?xml version="1.0" encoding="utf-8"?>
+<p:sld xmlns:a="http://schemas.openxmlformats.org/drawingml/2006/main" xmlns:r="http://schemas.openxmlformats.org/officeDocument/2006/relationships" xmlns:p="http://schemas.openxmlformats.org/presentationml/2006/main">
+  <p:cSld>
+    <p:spTree>
+      <p:nvGrpSpPr>
+        <p:cNvPr id="1" name=""/>
+        <p:cNvGrpSpPr/>
+        <p:nvPr/>
+      </p:nvGrpSpPr>
+      <p:grpSpPr>
+        <a:xfrm>
+          <a:off x="0" y="0"/>
+          <a:ext cx="0" cy="0"/>
+          <a:chOff x="0" y="0"/>
+          <a:chExt cx="0" cy="0"/>
+        </a:xfrm>
+      </p:grpSpPr>
+      <p:sp>
+        <p:nvSpPr>
+          <p:cNvPr id="3" name="TextBox 2"/>
+          <p:cNvSpPr txBox="1"/>
+          <p:nvPr/>
+        </p:nvSpPr>
+        <p:spPr>
+          <a:xfrm>
+            <a:off x="1534066" y="952109"/>
+            <a:ext cx="7755213" cy="646331"/>
+          </a:xfrm>
+          <a:prstGeom prst="rect">
+            <a:avLst/>
+          </a:prstGeom>
+          <a:noFill/>
+        </p:spPr>
+        <p:txBody>
+          <a:bodyPr wrap="square" rtlCol="0">
+            <a:spAutoFit/>
+          </a:bodyPr>
+          <a:lstStyle/>
+          <a:p>
+            <a:r>
+              <a:rPr lang="en-US" sz="3600" b="1" dirty="0" smtClean="0">
+                <a:latin typeface="Calibri" panose="020F0502020204030204" pitchFamily="34" charset="0"/>
+                <a:cs typeface="Calibri" panose="020F0502020204030204" pitchFamily="34" charset="0"/>
+              </a:rPr>
+              <a:t>Session Hijacking | Remedy</a:t>
+            </a:r>
+            <a:endParaRPr lang="en-US" sz="3600" b="1" dirty="0">
+              <a:latin typeface="Calibri" panose="020F0502020204030204" pitchFamily="34" charset="0"/>
+              <a:cs typeface="Calibri" panose="020F0502020204030204" pitchFamily="34" charset="0"/>
+            </a:endParaRPr>
+          </a:p>
+        </p:txBody>
+      </p:sp>
+      <p:sp>
+        <p:nvSpPr>
+          <p:cNvPr id="4" name="TextBox 3"/>
+          <p:cNvSpPr txBox="1"/>
+          <p:nvPr/>
+        </p:nvSpPr>
+        <p:spPr>
+          <a:xfrm>
+            <a:off x="1534065" y="2150685"/>
+            <a:ext cx="7293741" cy="923330"/>
+          </a:xfrm>
+          <a:prstGeom prst="rect">
+            <a:avLst/>
+          </a:prstGeom>
+          <a:noFill/>
+        </p:spPr>
+        <p:txBody>
+          <a:bodyPr wrap="square" rtlCol="0">
+            <a:spAutoFit/>
+          </a:bodyPr>
+          <a:lstStyle/>
+          <a:p>
+            <a:r>
+              <a:rPr lang="en-US" dirty="0"/>
+              <a:t>Regenerate session ID after a successful </a:t>
+            </a:r>
+            <a:r>
+              <a:rPr lang="en-US" dirty="0" smtClean="0"/>
+              <a:t>login</a:t>
+            </a:r>
+            <a:br>
+              <a:rPr lang="en-US" dirty="0" smtClean="0"/>
+            </a:br>
+            <a:r>
+              <a:rPr lang="en-US" dirty="0" smtClean="0"/>
+              <a:t/>
+            </a:r>
+            <a:br>
+              <a:rPr lang="en-US" dirty="0" smtClean="0"/>
+            </a:br>
+            <a:r>
+              <a:rPr lang="en-US" dirty="0"/>
+              <a:t>Validate user specific data (Agent, IP, HTTP-X-Forwarded-For </a:t>
+            </a:r>
+            <a:r>
+              <a:rPr lang="en-US" dirty="0" err="1"/>
+              <a:t>etc</a:t>
+            </a:r>
+            <a:r>
+              <a:rPr lang="en-US" dirty="0"/>
+              <a:t>)</a:t>
+            </a:r>
+            <a:endParaRPr lang="en-US" sz="2400" i="1" dirty="0">
+              <a:latin typeface="Calibri" panose="020F0502020204030204" pitchFamily="34" charset="0"/>
+              <a:cs typeface="Calibri" panose="020F0502020204030204" pitchFamily="34" charset="0"/>
+            </a:endParaRPr>
+          </a:p>
+        </p:txBody>
+      </p:sp>
+    </p:spTree>
+    <p:extLst>
+      <p:ext uri="{BB962C8B-B14F-4D97-AF65-F5344CB8AC3E}">
+        <p14:creationId xmlns:p14="http://schemas.microsoft.com/office/powerpoint/2010/main" val="3373740120"/>
+      </p:ext>
+    </p:extLst>
+  </p:cSld>
+  <p:clrMapOvr>
+    <a:masterClrMapping/>
+  </p:clrMapOvr>
+  <p:timing>
+    <p:tnLst>
+      <p:par>
+        <p:cTn id="1" dur="indefinite" restart="never" nodeType="tmRoot"/>
+      </p:par>
+    </p:tnLst>
+  </p:timing>
+</p:sld>
+</file>
+
+<file path=ppt/slides/slide17.xml><?xml version="1.0" encoding="utf-8"?>
+<p:sld xmlns:a="http://schemas.openxmlformats.org/drawingml/2006/main" xmlns:r="http://schemas.openxmlformats.org/officeDocument/2006/relationships" xmlns:p="http://schemas.openxmlformats.org/presentationml/2006/main">
+  <p:cSld>
+    <p:spTree>
+      <p:nvGrpSpPr>
+        <p:cNvPr id="1" name=""/>
+        <p:cNvGrpSpPr/>
+        <p:nvPr/>
+      </p:nvGrpSpPr>
+      <p:grpSpPr>
+        <a:xfrm>
+          <a:off x="0" y="0"/>
+          <a:ext cx="0" cy="0"/>
+          <a:chOff x="0" y="0"/>
+          <a:chExt cx="0" cy="0"/>
+        </a:xfrm>
+      </p:grpSpPr>
+      <p:sp>
+        <p:nvSpPr>
+          <p:cNvPr id="3" name="TextBox 2"/>
+          <p:cNvSpPr txBox="1"/>
+          <p:nvPr/>
+        </p:nvSpPr>
+        <p:spPr>
+          <a:xfrm>
+            <a:off x="1534066" y="952109"/>
+            <a:ext cx="7755213" cy="646331"/>
+          </a:xfrm>
+          <a:prstGeom prst="rect">
+            <a:avLst/>
+          </a:prstGeom>
+          <a:noFill/>
+        </p:spPr>
+        <p:txBody>
+          <a:bodyPr wrap="square" rtlCol="0">
+            <a:spAutoFit/>
+          </a:bodyPr>
+          <a:lstStyle/>
+          <a:p>
+            <a:r>
+              <a:rPr lang="en-US" sz="3600" b="1" dirty="0" smtClean="0">
+                <a:solidFill>
+                  <a:srgbClr val="FF0000"/>
+                </a:solidFill>
+                <a:latin typeface="Calibri" panose="020F0502020204030204" pitchFamily="34" charset="0"/>
+                <a:cs typeface="Calibri" panose="020F0502020204030204" pitchFamily="34" charset="0"/>
+              </a:rPr>
+              <a:t>Remediation</a:t>
+            </a:r>
+            <a:endParaRPr lang="en-US" sz="3600" b="1" dirty="0">
+              <a:solidFill>
+                <a:srgbClr val="FF0000"/>
+              </a:solidFill>
+              <a:latin typeface="Calibri" panose="020F0502020204030204" pitchFamily="34" charset="0"/>
+              <a:cs typeface="Calibri" panose="020F0502020204030204" pitchFamily="34" charset="0"/>
+            </a:endParaRPr>
+          </a:p>
+        </p:txBody>
+      </p:sp>
+      <p:pic>
+        <p:nvPicPr>
+          <p:cNvPr id="2" name="Picture 1"/>
+          <p:cNvPicPr>
+            <a:picLocks noChangeAspect="1"/>
+          </p:cNvPicPr>
+          <p:nvPr/>
+        </p:nvPicPr>
+        <p:blipFill>
+          <a:blip r:embed="rId2">
+            <a:extLst>
+              <a:ext uri="{28A0092B-C50C-407E-A947-70E740481C1C}">
+                <a14:useLocalDpi xmlns:a14="http://schemas.microsoft.com/office/drawing/2010/main" val="0"/>
+              </a:ext>
+            </a:extLst>
+          </a:blip>
+          <a:stretch>
+            <a:fillRect/>
+          </a:stretch>
+        </p:blipFill>
+        <p:spPr>
+          <a:xfrm>
+            <a:off x="4218153" y="952109"/>
+            <a:ext cx="6943725" cy="5534025"/>
+          </a:xfrm>
+          <a:prstGeom prst="rect">
+            <a:avLst/>
+          </a:prstGeom>
+        </p:spPr>
+      </p:pic>
+      <p:sp>
+        <p:nvSpPr>
+          <p:cNvPr id="8" name="TextBox 7"/>
+          <p:cNvSpPr txBox="1"/>
+          <p:nvPr/>
+        </p:nvSpPr>
+        <p:spPr>
+          <a:xfrm>
+            <a:off x="1534066" y="2569387"/>
+            <a:ext cx="2656302" cy="1477328"/>
+          </a:xfrm>
+          <a:prstGeom prst="rect">
+            <a:avLst/>
+          </a:prstGeom>
+          <a:noFill/>
+        </p:spPr>
+        <p:txBody>
+          <a:bodyPr wrap="square" rtlCol="0">
+            <a:spAutoFit/>
+          </a:bodyPr>
+          <a:lstStyle/>
+          <a:p>
+            <a:r>
+              <a:rPr lang="en-US" dirty="0"/>
+              <a:t>R</a:t>
+            </a:r>
+            <a:r>
+              <a:rPr lang="en-US" dirty="0" smtClean="0"/>
+              <a:t>emediation </a:t>
+            </a:r>
+            <a:r>
+              <a:rPr lang="en-US" dirty="0"/>
+              <a:t>rates have been improving</a:t>
+            </a:r>
+          </a:p>
+          <a:p>
+            <a:r>
+              <a:rPr lang="en-US" dirty="0"/>
+              <a:t>only very incrementally for the majority of the vulnerability classes.</a:t>
+            </a:r>
+            <a:endParaRPr lang="en-US" sz="2000" i="1" dirty="0">
+              <a:latin typeface="Calibri" panose="020F0502020204030204" pitchFamily="34" charset="0"/>
+              <a:cs typeface="Calibri" panose="020F0502020204030204" pitchFamily="34" charset="0"/>
+            </a:endParaRPr>
+          </a:p>
+        </p:txBody>
+      </p:sp>
+    </p:spTree>
+    <p:extLst>
+      <p:ext uri="{BB962C8B-B14F-4D97-AF65-F5344CB8AC3E}">
+        <p14:creationId xmlns:p14="http://schemas.microsoft.com/office/powerpoint/2010/main" val="1932104578"/>
+      </p:ext>
+    </p:extLst>
+  </p:cSld>
+  <p:clrMapOvr>
+    <a:masterClrMapping/>
+  </p:clrMapOvr>
+  <p:timing>
+    <p:tnLst>
+      <p:par>
+        <p:cTn id="1" dur="indefinite" restart="never" nodeType="tmRoot"/>
+      </p:par>
+    </p:tnLst>
+  </p:timing>
+</p:sld>
+</file>
+
+<file path=ppt/slides/slide18.xml><?xml version="1.0" encoding="utf-8"?>
+<p:sld xmlns:a="http://schemas.openxmlformats.org/drawingml/2006/main" xmlns:r="http://schemas.openxmlformats.org/officeDocument/2006/relationships" xmlns:p="http://schemas.openxmlformats.org/presentationml/2006/main">
+  <p:cSld>
+    <p:spTree>
+      <p:nvGrpSpPr>
+        <p:cNvPr id="1" name=""/>
+        <p:cNvGrpSpPr/>
+        <p:nvPr/>
+      </p:nvGrpSpPr>
+      <p:grpSpPr>
+        <a:xfrm>
+          <a:off x="0" y="0"/>
+          <a:ext cx="0" cy="0"/>
+          <a:chOff x="0" y="0"/>
+          <a:chExt cx="0" cy="0"/>
+        </a:xfrm>
+      </p:grpSpPr>
+      <p:sp>
+        <p:nvSpPr>
+          <p:cNvPr id="2" name="Title 1"/>
+          <p:cNvSpPr>
+            <a:spLocks noGrp="1"/>
+          </p:cNvSpPr>
+          <p:nvPr>
+            <p:ph type="title"/>
+          </p:nvPr>
+        </p:nvSpPr>
+        <p:spPr/>
+        <p:txBody>
+          <a:bodyPr/>
+          <a:lstStyle/>
+          <a:p>
+            <a:endParaRPr lang="en-US"/>
+          </a:p>
+        </p:txBody>
+      </p:sp>
+      <p:sp>
+        <p:nvSpPr>
+          <p:cNvPr id="3" name="Content Placeholder 2"/>
+          <p:cNvSpPr>
+            <a:spLocks noGrp="1"/>
+          </p:cNvSpPr>
+          <p:nvPr>
+            <p:ph idx="1"/>
+          </p:nvPr>
+        </p:nvSpPr>
+        <p:spPr/>
+        <p:txBody>
+          <a:bodyPr/>
+          <a:lstStyle/>
+          <a:p>
+            <a:endParaRPr lang="en-US"/>
+          </a:p>
+        </p:txBody>
+      </p:sp>
+    </p:spTree>
+    <p:extLst>
+      <p:ext uri="{BB962C8B-B14F-4D97-AF65-F5344CB8AC3E}">
+        <p14:creationId xmlns:p14="http://schemas.microsoft.com/office/powerpoint/2010/main" val="185443799"/>
+      </p:ext>
+    </p:extLst>
+  </p:cSld>
+  <p:clrMapOvr>
+    <a:masterClrMapping/>
+  </p:clrMapOvr>
+  <p:timing>
+    <p:tnLst>
+      <p:par>
+        <p:cTn id="1" dur="indefinite" restart="never" nodeType="tmRoot"/>
+      </p:par>
+    </p:tnLst>
+  </p:timing>
+</p:sld>
+</file>
+
+<file path=ppt/slides/slide19.xml><?xml version="1.0" encoding="utf-8"?>
 <p:sld xmlns:a="http://schemas.openxmlformats.org/drawingml/2006/main" xmlns:r="http://schemas.openxmlformats.org/officeDocument/2006/relationships" xmlns:p="http://schemas.openxmlformats.org/presentationml/2006/main">
   <p:cSld>
     <p:spTree>
@@ -6422,6 +7375,1326 @@
 </p:sld>
 </file>
 
+<file path=ppt/slides/slide2.xml><?xml version="1.0" encoding="utf-8"?>
+<p:sld xmlns:a="http://schemas.openxmlformats.org/drawingml/2006/main" xmlns:r="http://schemas.openxmlformats.org/officeDocument/2006/relationships" xmlns:p="http://schemas.openxmlformats.org/presentationml/2006/main">
+  <p:cSld>
+    <p:spTree>
+      <p:nvGrpSpPr>
+        <p:cNvPr id="1" name=""/>
+        <p:cNvGrpSpPr/>
+        <p:nvPr/>
+      </p:nvGrpSpPr>
+      <p:grpSpPr>
+        <a:xfrm>
+          <a:off x="0" y="0"/>
+          <a:ext cx="0" cy="0"/>
+          <a:chOff x="0" y="0"/>
+          <a:chExt cx="0" cy="0"/>
+        </a:xfrm>
+      </p:grpSpPr>
+      <p:sp>
+        <p:nvSpPr>
+          <p:cNvPr id="4" name="TextBox 3"/>
+          <p:cNvSpPr txBox="1"/>
+          <p:nvPr/>
+        </p:nvSpPr>
+        <p:spPr>
+          <a:xfrm>
+            <a:off x="1534066" y="952109"/>
+            <a:ext cx="7755213" cy="646331"/>
+          </a:xfrm>
+          <a:prstGeom prst="rect">
+            <a:avLst/>
+          </a:prstGeom>
+          <a:noFill/>
+        </p:spPr>
+        <p:txBody>
+          <a:bodyPr wrap="square" rtlCol="0">
+            <a:spAutoFit/>
+          </a:bodyPr>
+          <a:lstStyle/>
+          <a:p>
+            <a:r>
+              <a:rPr lang="en-US" sz="3600" b="1" dirty="0" smtClean="0">
+                <a:solidFill>
+                  <a:srgbClr val="FF0000"/>
+                </a:solidFill>
+                <a:latin typeface="Calibri" panose="020F0502020204030204" pitchFamily="34" charset="0"/>
+                <a:cs typeface="Calibri" panose="020F0502020204030204" pitchFamily="34" charset="0"/>
+              </a:rPr>
+              <a:t>Quality</a:t>
+            </a:r>
+            <a:r>
+              <a:rPr lang="en-US" sz="3600" b="1" dirty="0" smtClean="0">
+                <a:latin typeface="Calibri" panose="020F0502020204030204" pitchFamily="34" charset="0"/>
+                <a:cs typeface="Calibri" panose="020F0502020204030204" pitchFamily="34" charset="0"/>
+              </a:rPr>
+              <a:t> of Web App?</a:t>
+            </a:r>
+            <a:endParaRPr lang="en-US" sz="3600" b="1" dirty="0">
+              <a:latin typeface="Calibri" panose="020F0502020204030204" pitchFamily="34" charset="0"/>
+              <a:cs typeface="Calibri" panose="020F0502020204030204" pitchFamily="34" charset="0"/>
+            </a:endParaRPr>
+          </a:p>
+        </p:txBody>
+      </p:sp>
+      <p:sp>
+        <p:nvSpPr>
+          <p:cNvPr id="5" name="TextBox 4"/>
+          <p:cNvSpPr txBox="1"/>
+          <p:nvPr/>
+        </p:nvSpPr>
+        <p:spPr>
+          <a:xfrm>
+            <a:off x="1534065" y="1972742"/>
+            <a:ext cx="7293741" cy="707886"/>
+          </a:xfrm>
+          <a:prstGeom prst="rect">
+            <a:avLst/>
+          </a:prstGeom>
+          <a:noFill/>
+        </p:spPr>
+        <p:txBody>
+          <a:bodyPr wrap="square" rtlCol="0">
+            <a:spAutoFit/>
+          </a:bodyPr>
+          <a:lstStyle/>
+          <a:p>
+            <a:r>
+              <a:rPr lang="en-US" sz="2000" b="1" i="1" dirty="0" smtClean="0">
+                <a:latin typeface="Calibri" panose="020F0502020204030204" pitchFamily="34" charset="0"/>
+                <a:cs typeface="Calibri" panose="020F0502020204030204" pitchFamily="34" charset="0"/>
+              </a:rPr>
+              <a:t>Functiona</a:t>
+            </a:r>
+            <a:r>
+              <a:rPr lang="en-US" sz="2000" b="1" i="1" dirty="0" smtClean="0">
+                <a:latin typeface="Calibri" panose="020F0502020204030204" pitchFamily="34" charset="0"/>
+                <a:cs typeface="Calibri" panose="020F0502020204030204" pitchFamily="34" charset="0"/>
+              </a:rPr>
+              <a:t>l Requirements</a:t>
+            </a:r>
+            <a:br>
+              <a:rPr lang="en-US" sz="2000" b="1" i="1" dirty="0" smtClean="0">
+                <a:latin typeface="Calibri" panose="020F0502020204030204" pitchFamily="34" charset="0"/>
+                <a:cs typeface="Calibri" panose="020F0502020204030204" pitchFamily="34" charset="0"/>
+              </a:rPr>
+            </a:br>
+            <a:r>
+              <a:rPr lang="en-US" sz="2000" i="1" dirty="0" smtClean="0">
+                <a:latin typeface="Calibri" panose="020F0502020204030204" pitchFamily="34" charset="0"/>
+                <a:cs typeface="Calibri" panose="020F0502020204030204" pitchFamily="34" charset="0"/>
+              </a:rPr>
+              <a:t>	Implemented and tested requirements</a:t>
+            </a:r>
+            <a:endParaRPr lang="en-US" sz="2000" i="1" dirty="0">
+              <a:latin typeface="Calibri" panose="020F0502020204030204" pitchFamily="34" charset="0"/>
+              <a:cs typeface="Calibri" panose="020F0502020204030204" pitchFamily="34" charset="0"/>
+            </a:endParaRPr>
+          </a:p>
+        </p:txBody>
+      </p:sp>
+      <p:sp>
+        <p:nvSpPr>
+          <p:cNvPr id="7" name="TextBox 6"/>
+          <p:cNvSpPr txBox="1"/>
+          <p:nvPr/>
+        </p:nvSpPr>
+        <p:spPr>
+          <a:xfrm>
+            <a:off x="1532639" y="3320060"/>
+            <a:ext cx="7295168" cy="2246769"/>
+          </a:xfrm>
+          <a:prstGeom prst="rect">
+            <a:avLst/>
+          </a:prstGeom>
+          <a:noFill/>
+        </p:spPr>
+        <p:txBody>
+          <a:bodyPr wrap="square" rtlCol="0">
+            <a:spAutoFit/>
+          </a:bodyPr>
+          <a:lstStyle/>
+          <a:p>
+            <a:r>
+              <a:rPr lang="en-US" sz="2000" b="1" i="1" dirty="0" smtClean="0">
+                <a:latin typeface="Calibri" panose="020F0502020204030204" pitchFamily="34" charset="0"/>
+                <a:cs typeface="Calibri" panose="020F0502020204030204" pitchFamily="34" charset="0"/>
+              </a:rPr>
+              <a:t>Non Functional Requirements</a:t>
+            </a:r>
+            <a:br>
+              <a:rPr lang="en-US" sz="2000" b="1" i="1" dirty="0" smtClean="0">
+                <a:latin typeface="Calibri" panose="020F0502020204030204" pitchFamily="34" charset="0"/>
+                <a:cs typeface="Calibri" panose="020F0502020204030204" pitchFamily="34" charset="0"/>
+              </a:rPr>
+            </a:br>
+            <a:r>
+              <a:rPr lang="en-US" sz="2000" i="1" dirty="0" smtClean="0">
+                <a:latin typeface="Calibri" panose="020F0502020204030204" pitchFamily="34" charset="0"/>
+                <a:cs typeface="Calibri" panose="020F0502020204030204" pitchFamily="34" charset="0"/>
+              </a:rPr>
+              <a:t>	Load</a:t>
+            </a:r>
+          </a:p>
+          <a:p>
+            <a:r>
+              <a:rPr lang="en-US" sz="2000" i="1" dirty="0">
+                <a:latin typeface="Calibri" panose="020F0502020204030204" pitchFamily="34" charset="0"/>
+                <a:cs typeface="Calibri" panose="020F0502020204030204" pitchFamily="34" charset="0"/>
+              </a:rPr>
+              <a:t>	</a:t>
+            </a:r>
+            <a:r>
+              <a:rPr lang="en-US" sz="2000" i="1" dirty="0" smtClean="0">
+                <a:latin typeface="Calibri" panose="020F0502020204030204" pitchFamily="34" charset="0"/>
+                <a:cs typeface="Calibri" panose="020F0502020204030204" pitchFamily="34" charset="0"/>
+              </a:rPr>
+              <a:t>Scalability</a:t>
+            </a:r>
+          </a:p>
+          <a:p>
+            <a:r>
+              <a:rPr lang="en-US" sz="2000" i="1" dirty="0">
+                <a:latin typeface="Calibri" panose="020F0502020204030204" pitchFamily="34" charset="0"/>
+                <a:cs typeface="Calibri" panose="020F0502020204030204" pitchFamily="34" charset="0"/>
+              </a:rPr>
+              <a:t>	</a:t>
+            </a:r>
+            <a:r>
+              <a:rPr lang="en-US" sz="2000" i="1" dirty="0" smtClean="0">
+                <a:latin typeface="Calibri" panose="020F0502020204030204" pitchFamily="34" charset="0"/>
+                <a:cs typeface="Calibri" panose="020F0502020204030204" pitchFamily="34" charset="0"/>
+              </a:rPr>
+              <a:t>Performance</a:t>
+            </a:r>
+            <a:br>
+              <a:rPr lang="en-US" sz="2000" i="1" dirty="0" smtClean="0">
+                <a:latin typeface="Calibri" panose="020F0502020204030204" pitchFamily="34" charset="0"/>
+                <a:cs typeface="Calibri" panose="020F0502020204030204" pitchFamily="34" charset="0"/>
+              </a:rPr>
+            </a:br>
+            <a:r>
+              <a:rPr lang="en-US" sz="2000" i="1" dirty="0" smtClean="0">
+                <a:latin typeface="Calibri" panose="020F0502020204030204" pitchFamily="34" charset="0"/>
+                <a:cs typeface="Calibri" panose="020F0502020204030204" pitchFamily="34" charset="0"/>
+              </a:rPr>
+              <a:t>	Documentation</a:t>
+            </a:r>
+            <a:br>
+              <a:rPr lang="en-US" sz="2000" i="1" dirty="0" smtClean="0">
+                <a:latin typeface="Calibri" panose="020F0502020204030204" pitchFamily="34" charset="0"/>
+                <a:cs typeface="Calibri" panose="020F0502020204030204" pitchFamily="34" charset="0"/>
+              </a:rPr>
+            </a:br>
+            <a:r>
+              <a:rPr lang="en-US" sz="2000" i="1" dirty="0" smtClean="0">
+                <a:latin typeface="Calibri" panose="020F0502020204030204" pitchFamily="34" charset="0"/>
+                <a:cs typeface="Calibri" panose="020F0502020204030204" pitchFamily="34" charset="0"/>
+              </a:rPr>
+              <a:t>	Recovery</a:t>
+            </a:r>
+            <a:r>
+              <a:rPr lang="en-US" sz="2000" i="1" dirty="0">
+                <a:latin typeface="Calibri" panose="020F0502020204030204" pitchFamily="34" charset="0"/>
+                <a:cs typeface="Calibri" panose="020F0502020204030204" pitchFamily="34" charset="0"/>
+              </a:rPr>
+              <a:t/>
+            </a:r>
+            <a:br>
+              <a:rPr lang="en-US" sz="2000" i="1" dirty="0">
+                <a:latin typeface="Calibri" panose="020F0502020204030204" pitchFamily="34" charset="0"/>
+                <a:cs typeface="Calibri" panose="020F0502020204030204" pitchFamily="34" charset="0"/>
+              </a:rPr>
+            </a:br>
+            <a:r>
+              <a:rPr lang="en-US" sz="2000" i="1" dirty="0" smtClean="0">
+                <a:latin typeface="Calibri" panose="020F0502020204030204" pitchFamily="34" charset="0"/>
+                <a:cs typeface="Calibri" panose="020F0502020204030204" pitchFamily="34" charset="0"/>
+              </a:rPr>
+              <a:t>	</a:t>
+            </a:r>
+            <a:r>
+              <a:rPr lang="en-US" sz="2000" i="1" u="heavy" dirty="0" smtClean="0">
+                <a:latin typeface="Calibri" panose="020F0502020204030204" pitchFamily="34" charset="0"/>
+                <a:cs typeface="Calibri" panose="020F0502020204030204" pitchFamily="34" charset="0"/>
+              </a:rPr>
+              <a:t>SECURITY</a:t>
+            </a:r>
+            <a:endParaRPr lang="en-US" sz="2000" i="1" u="heavy" dirty="0">
+              <a:latin typeface="Calibri" panose="020F0502020204030204" pitchFamily="34" charset="0"/>
+              <a:cs typeface="Calibri" panose="020F0502020204030204" pitchFamily="34" charset="0"/>
+            </a:endParaRPr>
+          </a:p>
+        </p:txBody>
+      </p:sp>
+    </p:spTree>
+    <p:extLst>
+      <p:ext uri="{BB962C8B-B14F-4D97-AF65-F5344CB8AC3E}">
+        <p14:creationId xmlns:p14="http://schemas.microsoft.com/office/powerpoint/2010/main" val="3974500719"/>
+      </p:ext>
+    </p:extLst>
+  </p:cSld>
+  <p:clrMapOvr>
+    <a:masterClrMapping/>
+  </p:clrMapOvr>
+  <p:timing>
+    <p:tnLst>
+      <p:par>
+        <p:cTn id="1" dur="indefinite" restart="never" nodeType="tmRoot"/>
+      </p:par>
+    </p:tnLst>
+  </p:timing>
+</p:sld>
+</file>
+
+<file path=ppt/slides/slide20.xml><?xml version="1.0" encoding="utf-8"?>
+<p:sld xmlns:a="http://schemas.openxmlformats.org/drawingml/2006/main" xmlns:r="http://schemas.openxmlformats.org/officeDocument/2006/relationships" xmlns:p="http://schemas.openxmlformats.org/presentationml/2006/main">
+  <p:cSld>
+    <p:spTree>
+      <p:nvGrpSpPr>
+        <p:cNvPr id="1" name=""/>
+        <p:cNvGrpSpPr/>
+        <p:nvPr/>
+      </p:nvGrpSpPr>
+      <p:grpSpPr>
+        <a:xfrm>
+          <a:off x="0" y="0"/>
+          <a:ext cx="0" cy="0"/>
+          <a:chOff x="0" y="0"/>
+          <a:chExt cx="0" cy="0"/>
+        </a:xfrm>
+      </p:grpSpPr>
+      <p:sp>
+        <p:nvSpPr>
+          <p:cNvPr id="4" name="TextBox 3"/>
+          <p:cNvSpPr txBox="1"/>
+          <p:nvPr/>
+        </p:nvSpPr>
+        <p:spPr>
+          <a:xfrm>
+            <a:off x="924338" y="1431235"/>
+            <a:ext cx="7712765" cy="1200329"/>
+          </a:xfrm>
+          <a:prstGeom prst="rect">
+            <a:avLst/>
+          </a:prstGeom>
+          <a:noFill/>
+        </p:spPr>
+        <p:txBody>
+          <a:bodyPr wrap="square" rtlCol="0">
+            <a:spAutoFit/>
+          </a:bodyPr>
+          <a:lstStyle/>
+          <a:p>
+            <a:r>
+              <a:rPr lang="en-US" sz="7200" dirty="0" smtClean="0">
+                <a:latin typeface="Top Secret" panose="02000500000000000000" pitchFamily="2" charset="0"/>
+              </a:rPr>
+              <a:t>Thank You ☺ </a:t>
+            </a:r>
+            <a:endParaRPr lang="en-US" sz="7200" dirty="0">
+              <a:latin typeface="Top Secret" panose="02000500000000000000" pitchFamily="2" charset="0"/>
+            </a:endParaRPr>
+          </a:p>
+        </p:txBody>
+      </p:sp>
+      <p:sp>
+        <p:nvSpPr>
+          <p:cNvPr id="5" name="TextBox 4"/>
+          <p:cNvSpPr txBox="1"/>
+          <p:nvPr/>
+        </p:nvSpPr>
+        <p:spPr>
+          <a:xfrm>
+            <a:off x="884587" y="4353337"/>
+            <a:ext cx="2683565" cy="954107"/>
+          </a:xfrm>
+          <a:prstGeom prst="rect">
+            <a:avLst/>
+          </a:prstGeom>
+          <a:noFill/>
+        </p:spPr>
+        <p:txBody>
+          <a:bodyPr wrap="square" rtlCol="0">
+            <a:spAutoFit/>
+          </a:bodyPr>
+          <a:lstStyle/>
+          <a:p>
+            <a:r>
+              <a:rPr lang="en-US" sz="2800" dirty="0" smtClean="0">
+                <a:latin typeface="Calibri" panose="020F0502020204030204" pitchFamily="34" charset="0"/>
+                <a:cs typeface="Calibri" panose="020F0502020204030204" pitchFamily="34" charset="0"/>
+              </a:rPr>
+              <a:t>Submitted To :</a:t>
+            </a:r>
+          </a:p>
+          <a:p>
+            <a:r>
+              <a:rPr lang="en-US" sz="2800" b="1" i="1" dirty="0" smtClean="0">
+                <a:latin typeface="Calibri" panose="020F0502020204030204" pitchFamily="34" charset="0"/>
+                <a:cs typeface="Calibri" panose="020F0502020204030204" pitchFamily="34" charset="0"/>
+              </a:rPr>
+              <a:t>Dr. Anu Gupta</a:t>
+            </a:r>
+            <a:endParaRPr lang="en-US" sz="2800" b="1" i="1" dirty="0">
+              <a:latin typeface="Calibri" panose="020F0502020204030204" pitchFamily="34" charset="0"/>
+              <a:cs typeface="Calibri" panose="020F0502020204030204" pitchFamily="34" charset="0"/>
+            </a:endParaRPr>
+          </a:p>
+        </p:txBody>
+      </p:sp>
+      <p:sp>
+        <p:nvSpPr>
+          <p:cNvPr id="6" name="TextBox 5"/>
+          <p:cNvSpPr txBox="1"/>
+          <p:nvPr/>
+        </p:nvSpPr>
+        <p:spPr>
+          <a:xfrm>
+            <a:off x="5039137" y="4353337"/>
+            <a:ext cx="3289852" cy="1384995"/>
+          </a:xfrm>
+          <a:prstGeom prst="rect">
+            <a:avLst/>
+          </a:prstGeom>
+          <a:noFill/>
+        </p:spPr>
+        <p:txBody>
+          <a:bodyPr wrap="square" rtlCol="0">
+            <a:spAutoFit/>
+          </a:bodyPr>
+          <a:lstStyle/>
+          <a:p>
+            <a:r>
+              <a:rPr lang="en-US" sz="2800" dirty="0" smtClean="0">
+                <a:latin typeface="Calibri" panose="020F0502020204030204" pitchFamily="34" charset="0"/>
+                <a:cs typeface="Calibri" panose="020F0502020204030204" pitchFamily="34" charset="0"/>
+              </a:rPr>
+              <a:t>Submitted By :</a:t>
+            </a:r>
+          </a:p>
+          <a:p>
+            <a:r>
+              <a:rPr lang="en-US" sz="2800" b="1" i="1" dirty="0" smtClean="0">
+                <a:latin typeface="Calibri" panose="020F0502020204030204" pitchFamily="34" charset="0"/>
+                <a:cs typeface="Calibri" panose="020F0502020204030204" pitchFamily="34" charset="0"/>
+              </a:rPr>
+              <a:t>Akshay Kapoor (04)</a:t>
+            </a:r>
+            <a:br>
+              <a:rPr lang="en-US" sz="2800" b="1" i="1" dirty="0" smtClean="0">
+                <a:latin typeface="Calibri" panose="020F0502020204030204" pitchFamily="34" charset="0"/>
+                <a:cs typeface="Calibri" panose="020F0502020204030204" pitchFamily="34" charset="0"/>
+              </a:rPr>
+            </a:br>
+            <a:r>
+              <a:rPr lang="en-US" sz="2800" b="1" i="1" dirty="0" smtClean="0">
+                <a:latin typeface="Calibri" panose="020F0502020204030204" pitchFamily="34" charset="0"/>
+                <a:cs typeface="Calibri" panose="020F0502020204030204" pitchFamily="34" charset="0"/>
+              </a:rPr>
+              <a:t>Sukhpreet Singh (33)</a:t>
+            </a:r>
+            <a:endParaRPr lang="en-US" sz="2800" b="1" i="1" dirty="0">
+              <a:latin typeface="Calibri" panose="020F0502020204030204" pitchFamily="34" charset="0"/>
+              <a:cs typeface="Calibri" panose="020F0502020204030204" pitchFamily="34" charset="0"/>
+            </a:endParaRPr>
+          </a:p>
+        </p:txBody>
+      </p:sp>
+    </p:spTree>
+    <p:extLst>
+      <p:ext uri="{BB962C8B-B14F-4D97-AF65-F5344CB8AC3E}">
+        <p14:creationId xmlns:p14="http://schemas.microsoft.com/office/powerpoint/2010/main" val="4274886775"/>
+      </p:ext>
+    </p:extLst>
+  </p:cSld>
+  <p:clrMapOvr>
+    <a:masterClrMapping/>
+  </p:clrMapOvr>
+  <p:timing>
+    <p:tnLst>
+      <p:par>
+        <p:cTn id="1" dur="indefinite" restart="never" nodeType="tmRoot"/>
+      </p:par>
+    </p:tnLst>
+  </p:timing>
+</p:sld>
+</file>
+
+<file path=ppt/slides/slide3.xml><?xml version="1.0" encoding="utf-8"?>
+<p:sld xmlns:a="http://schemas.openxmlformats.org/drawingml/2006/main" xmlns:r="http://schemas.openxmlformats.org/officeDocument/2006/relationships" xmlns:p="http://schemas.openxmlformats.org/presentationml/2006/main">
+  <p:cSld>
+    <p:spTree>
+      <p:nvGrpSpPr>
+        <p:cNvPr id="1" name=""/>
+        <p:cNvGrpSpPr/>
+        <p:nvPr/>
+      </p:nvGrpSpPr>
+      <p:grpSpPr>
+        <a:xfrm>
+          <a:off x="0" y="0"/>
+          <a:ext cx="0" cy="0"/>
+          <a:chOff x="0" y="0"/>
+          <a:chExt cx="0" cy="0"/>
+        </a:xfrm>
+      </p:grpSpPr>
+      <p:sp>
+        <p:nvSpPr>
+          <p:cNvPr id="3" name="TextBox 2"/>
+          <p:cNvSpPr txBox="1"/>
+          <p:nvPr/>
+        </p:nvSpPr>
+        <p:spPr>
+          <a:xfrm>
+            <a:off x="1534066" y="952109"/>
+            <a:ext cx="7755213" cy="646331"/>
+          </a:xfrm>
+          <a:prstGeom prst="rect">
+            <a:avLst/>
+          </a:prstGeom>
+          <a:noFill/>
+        </p:spPr>
+        <p:txBody>
+          <a:bodyPr wrap="square" rtlCol="0">
+            <a:spAutoFit/>
+          </a:bodyPr>
+          <a:lstStyle/>
+          <a:p>
+            <a:r>
+              <a:rPr lang="en-US" sz="3600" b="1" dirty="0" smtClean="0">
+                <a:latin typeface="Calibri" panose="020F0502020204030204" pitchFamily="34" charset="0"/>
+                <a:cs typeface="Calibri" panose="020F0502020204030204" pitchFamily="34" charset="0"/>
+              </a:rPr>
+              <a:t>What is </a:t>
+            </a:r>
+            <a:r>
+              <a:rPr lang="en-US" sz="3600" b="1" i="1" dirty="0" smtClean="0">
+                <a:solidFill>
+                  <a:srgbClr val="FF0000"/>
+                </a:solidFill>
+                <a:latin typeface="Calibri" panose="020F0502020204030204" pitchFamily="34" charset="0"/>
+                <a:cs typeface="Calibri" panose="020F0502020204030204" pitchFamily="34" charset="0"/>
+              </a:rPr>
+              <a:t>Web Security </a:t>
+            </a:r>
+            <a:r>
+              <a:rPr lang="en-US" sz="3600" b="1" dirty="0" smtClean="0">
+                <a:latin typeface="Calibri" panose="020F0502020204030204" pitchFamily="34" charset="0"/>
+                <a:cs typeface="Calibri" panose="020F0502020204030204" pitchFamily="34" charset="0"/>
+              </a:rPr>
+              <a:t>?</a:t>
+            </a:r>
+            <a:endParaRPr lang="en-US" sz="3600" b="1" dirty="0">
+              <a:latin typeface="Calibri" panose="020F0502020204030204" pitchFamily="34" charset="0"/>
+              <a:cs typeface="Calibri" panose="020F0502020204030204" pitchFamily="34" charset="0"/>
+            </a:endParaRPr>
+          </a:p>
+        </p:txBody>
+      </p:sp>
+      <p:sp>
+        <p:nvSpPr>
+          <p:cNvPr id="4" name="TextBox 3"/>
+          <p:cNvSpPr txBox="1"/>
+          <p:nvPr/>
+        </p:nvSpPr>
+        <p:spPr>
+          <a:xfrm>
+            <a:off x="1534065" y="1606982"/>
+            <a:ext cx="7293741" cy="1631216"/>
+          </a:xfrm>
+          <a:prstGeom prst="rect">
+            <a:avLst/>
+          </a:prstGeom>
+          <a:noFill/>
+        </p:spPr>
+        <p:txBody>
+          <a:bodyPr wrap="square" rtlCol="0">
+            <a:spAutoFit/>
+          </a:bodyPr>
+          <a:lstStyle/>
+          <a:p>
+            <a:r>
+              <a:rPr lang="en-US" sz="2000" i="1" dirty="0">
+                <a:latin typeface="Calibri" panose="020F0502020204030204" pitchFamily="34" charset="0"/>
+                <a:cs typeface="Calibri" panose="020F0502020204030204" pitchFamily="34" charset="0"/>
+              </a:rPr>
+              <a:t>Web application security, is a branch of Information Security that deals specifically with security of websites, web applications and web services. At a high level, Web application security draws on the principles of application security but applies them specifically to Internet and Web systems.</a:t>
+            </a:r>
+          </a:p>
+        </p:txBody>
+      </p:sp>
+      <p:sp>
+        <p:nvSpPr>
+          <p:cNvPr id="5" name="TextBox 4"/>
+          <p:cNvSpPr txBox="1"/>
+          <p:nvPr/>
+        </p:nvSpPr>
+        <p:spPr>
+          <a:xfrm>
+            <a:off x="1532639" y="3693887"/>
+            <a:ext cx="7755213" cy="646331"/>
+          </a:xfrm>
+          <a:prstGeom prst="rect">
+            <a:avLst/>
+          </a:prstGeom>
+          <a:noFill/>
+        </p:spPr>
+        <p:txBody>
+          <a:bodyPr wrap="square" rtlCol="0">
+            <a:spAutoFit/>
+          </a:bodyPr>
+          <a:lstStyle/>
+          <a:p>
+            <a:r>
+              <a:rPr lang="en-US" sz="3600" b="1" dirty="0">
+                <a:latin typeface="Calibri" panose="020F0502020204030204" pitchFamily="34" charset="0"/>
+                <a:cs typeface="Calibri" panose="020F0502020204030204" pitchFamily="34" charset="0"/>
+              </a:rPr>
+              <a:t>What can </a:t>
+            </a:r>
+            <a:r>
+              <a:rPr lang="en-US" sz="3600" b="1" dirty="0">
+                <a:solidFill>
+                  <a:srgbClr val="FF0000"/>
+                </a:solidFill>
+                <a:latin typeface="Calibri" panose="020F0502020204030204" pitchFamily="34" charset="0"/>
+                <a:cs typeface="Calibri" panose="020F0502020204030204" pitchFamily="34" charset="0"/>
+              </a:rPr>
+              <a:t>Web </a:t>
+            </a:r>
+            <a:r>
+              <a:rPr lang="en-US" sz="3600" b="1" dirty="0" smtClean="0">
+                <a:solidFill>
+                  <a:srgbClr val="FF0000"/>
+                </a:solidFill>
+                <a:latin typeface="Calibri" panose="020F0502020204030204" pitchFamily="34" charset="0"/>
+                <a:cs typeface="Calibri" panose="020F0502020204030204" pitchFamily="34" charset="0"/>
+              </a:rPr>
+              <a:t>Users </a:t>
+            </a:r>
+            <a:r>
+              <a:rPr lang="en-US" sz="3600" b="1" dirty="0" smtClean="0">
+                <a:latin typeface="Calibri" panose="020F0502020204030204" pitchFamily="34" charset="0"/>
+                <a:cs typeface="Calibri" panose="020F0502020204030204" pitchFamily="34" charset="0"/>
+              </a:rPr>
+              <a:t>do ?</a:t>
+            </a:r>
+            <a:endParaRPr lang="en-US" sz="3600" b="1" dirty="0">
+              <a:latin typeface="Calibri" panose="020F0502020204030204" pitchFamily="34" charset="0"/>
+              <a:cs typeface="Calibri" panose="020F0502020204030204" pitchFamily="34" charset="0"/>
+            </a:endParaRPr>
+          </a:p>
+        </p:txBody>
+      </p:sp>
+      <p:sp>
+        <p:nvSpPr>
+          <p:cNvPr id="6" name="TextBox 5"/>
+          <p:cNvSpPr txBox="1"/>
+          <p:nvPr/>
+        </p:nvSpPr>
+        <p:spPr>
+          <a:xfrm>
+            <a:off x="1532639" y="4348760"/>
+            <a:ext cx="7295168" cy="1015663"/>
+          </a:xfrm>
+          <a:prstGeom prst="rect">
+            <a:avLst/>
+          </a:prstGeom>
+          <a:noFill/>
+        </p:spPr>
+        <p:txBody>
+          <a:bodyPr wrap="square" rtlCol="0">
+            <a:spAutoFit/>
+          </a:bodyPr>
+          <a:lstStyle/>
+          <a:p>
+            <a:r>
+              <a:rPr lang="en-US" sz="2000" i="1" dirty="0">
+                <a:latin typeface="Calibri" panose="020F0502020204030204" pitchFamily="34" charset="0"/>
+                <a:cs typeface="Calibri" panose="020F0502020204030204" pitchFamily="34" charset="0"/>
+              </a:rPr>
+              <a:t>The first step in protecting yourself is </a:t>
+            </a:r>
+            <a:r>
+              <a:rPr lang="en-US" sz="2000" i="1" dirty="0" smtClean="0">
+                <a:latin typeface="Calibri" panose="020F0502020204030204" pitchFamily="34" charset="0"/>
+                <a:cs typeface="Calibri" panose="020F0502020204030204" pitchFamily="34" charset="0"/>
+              </a:rPr>
+              <a:t>to </a:t>
+            </a:r>
+            <a:r>
+              <a:rPr lang="en-US" sz="2000" b="1" i="1" dirty="0" smtClean="0">
+                <a:latin typeface="Calibri" panose="020F0502020204030204" pitchFamily="34" charset="0"/>
+                <a:cs typeface="Calibri" panose="020F0502020204030204" pitchFamily="34" charset="0"/>
+              </a:rPr>
+              <a:t>recognize </a:t>
+            </a:r>
+            <a:r>
+              <a:rPr lang="en-US" sz="2000" b="1" i="1" dirty="0">
+                <a:latin typeface="Calibri" panose="020F0502020204030204" pitchFamily="34" charset="0"/>
+                <a:cs typeface="Calibri" panose="020F0502020204030204" pitchFamily="34" charset="0"/>
+              </a:rPr>
+              <a:t>the risks </a:t>
+            </a:r>
+            <a:r>
+              <a:rPr lang="en-US" sz="2000" i="1" dirty="0">
+                <a:latin typeface="Calibri" panose="020F0502020204030204" pitchFamily="34" charset="0"/>
+                <a:cs typeface="Calibri" panose="020F0502020204030204" pitchFamily="34" charset="0"/>
+              </a:rPr>
+              <a:t>and become </a:t>
+            </a:r>
+            <a:r>
+              <a:rPr lang="en-US" sz="2000" i="1" dirty="0" smtClean="0">
+                <a:latin typeface="Calibri" panose="020F0502020204030204" pitchFamily="34" charset="0"/>
+                <a:cs typeface="Calibri" panose="020F0502020204030204" pitchFamily="34" charset="0"/>
+              </a:rPr>
+              <a:t>familiar with </a:t>
+            </a:r>
+            <a:r>
+              <a:rPr lang="en-US" sz="2000" i="1" dirty="0">
+                <a:latin typeface="Calibri" panose="020F0502020204030204" pitchFamily="34" charset="0"/>
+                <a:cs typeface="Calibri" panose="020F0502020204030204" pitchFamily="34" charset="0"/>
+              </a:rPr>
+              <a:t>some of the terminology associated</a:t>
+            </a:r>
+          </a:p>
+          <a:p>
+            <a:r>
+              <a:rPr lang="en-US" sz="2000" i="1" dirty="0">
+                <a:latin typeface="Calibri" panose="020F0502020204030204" pitchFamily="34" charset="0"/>
+                <a:cs typeface="Calibri" panose="020F0502020204030204" pitchFamily="34" charset="0"/>
+              </a:rPr>
+              <a:t>with them.</a:t>
+            </a:r>
+          </a:p>
+        </p:txBody>
+      </p:sp>
+    </p:spTree>
+    <p:extLst>
+      <p:ext uri="{BB962C8B-B14F-4D97-AF65-F5344CB8AC3E}">
+        <p14:creationId xmlns:p14="http://schemas.microsoft.com/office/powerpoint/2010/main" val="2078656987"/>
+      </p:ext>
+    </p:extLst>
+  </p:cSld>
+  <p:clrMapOvr>
+    <a:masterClrMapping/>
+  </p:clrMapOvr>
+  <p:timing>
+    <p:tnLst>
+      <p:par>
+        <p:cTn id="1" dur="indefinite" restart="never" nodeType="tmRoot"/>
+      </p:par>
+    </p:tnLst>
+  </p:timing>
+</p:sld>
+</file>
+
+<file path=ppt/slides/slide4.xml><?xml version="1.0" encoding="utf-8"?>
+<p:sld xmlns:a="http://schemas.openxmlformats.org/drawingml/2006/main" xmlns:r="http://schemas.openxmlformats.org/officeDocument/2006/relationships" xmlns:p="http://schemas.openxmlformats.org/presentationml/2006/main">
+  <p:cSld>
+    <p:spTree>
+      <p:nvGrpSpPr>
+        <p:cNvPr id="1" name=""/>
+        <p:cNvGrpSpPr/>
+        <p:nvPr/>
+      </p:nvGrpSpPr>
+      <p:grpSpPr>
+        <a:xfrm>
+          <a:off x="0" y="0"/>
+          <a:ext cx="0" cy="0"/>
+          <a:chOff x="0" y="0"/>
+          <a:chExt cx="0" cy="0"/>
+        </a:xfrm>
+      </p:grpSpPr>
+      <p:sp>
+        <p:nvSpPr>
+          <p:cNvPr id="4" name="TextBox 3"/>
+          <p:cNvSpPr txBox="1"/>
+          <p:nvPr/>
+        </p:nvSpPr>
+        <p:spPr>
+          <a:xfrm>
+            <a:off x="1534066" y="952109"/>
+            <a:ext cx="7755213" cy="646331"/>
+          </a:xfrm>
+          <a:prstGeom prst="rect">
+            <a:avLst/>
+          </a:prstGeom>
+          <a:noFill/>
+        </p:spPr>
+        <p:txBody>
+          <a:bodyPr wrap="square" rtlCol="0">
+            <a:spAutoFit/>
+          </a:bodyPr>
+          <a:lstStyle/>
+          <a:p>
+            <a:r>
+              <a:rPr lang="en-US" sz="3600" b="1" dirty="0" smtClean="0">
+                <a:solidFill>
+                  <a:srgbClr val="FF0000"/>
+                </a:solidFill>
+                <a:latin typeface="Calibri" panose="020F0502020204030204" pitchFamily="34" charset="0"/>
+                <a:cs typeface="Calibri" panose="020F0502020204030204" pitchFamily="34" charset="0"/>
+              </a:rPr>
+              <a:t>Statistics	</a:t>
+            </a:r>
+            <a:r>
+              <a:rPr lang="en-US" sz="3600" b="1" dirty="0" smtClean="0">
+                <a:latin typeface="Calibri" panose="020F0502020204030204" pitchFamily="34" charset="0"/>
+                <a:cs typeface="Calibri" panose="020F0502020204030204" pitchFamily="34" charset="0"/>
+              </a:rPr>
+              <a:t>of Security Risks</a:t>
+            </a:r>
+            <a:endParaRPr lang="en-US" sz="3600" b="1" dirty="0">
+              <a:latin typeface="Calibri" panose="020F0502020204030204" pitchFamily="34" charset="0"/>
+              <a:cs typeface="Calibri" panose="020F0502020204030204" pitchFamily="34" charset="0"/>
+            </a:endParaRPr>
+          </a:p>
+        </p:txBody>
+      </p:sp>
+      <p:pic>
+        <p:nvPicPr>
+          <p:cNvPr id="2" name="Picture 1"/>
+          <p:cNvPicPr>
+            <a:picLocks noChangeAspect="1"/>
+          </p:cNvPicPr>
+          <p:nvPr/>
+        </p:nvPicPr>
+        <p:blipFill>
+          <a:blip r:embed="rId2">
+            <a:extLst>
+              <a:ext uri="{28A0092B-C50C-407E-A947-70E740481C1C}">
+                <a14:useLocalDpi xmlns:a14="http://schemas.microsoft.com/office/drawing/2010/main" val="0"/>
+              </a:ext>
+            </a:extLst>
+          </a:blip>
+          <a:stretch>
+            <a:fillRect/>
+          </a:stretch>
+        </p:blipFill>
+        <p:spPr>
+          <a:xfrm>
+            <a:off x="1534066" y="1763077"/>
+            <a:ext cx="7877175" cy="2600325"/>
+          </a:xfrm>
+          <a:prstGeom prst="rect">
+            <a:avLst/>
+          </a:prstGeom>
+        </p:spPr>
+      </p:pic>
+      <p:pic>
+        <p:nvPicPr>
+          <p:cNvPr id="3" name="Picture 2"/>
+          <p:cNvPicPr>
+            <a:picLocks noChangeAspect="1"/>
+          </p:cNvPicPr>
+          <p:nvPr/>
+        </p:nvPicPr>
+        <p:blipFill>
+          <a:blip r:embed="rId3">
+            <a:extLst>
+              <a:ext uri="{28A0092B-C50C-407E-A947-70E740481C1C}">
+                <a14:useLocalDpi xmlns:a14="http://schemas.microsoft.com/office/drawing/2010/main" val="0"/>
+              </a:ext>
+            </a:extLst>
+          </a:blip>
+          <a:stretch>
+            <a:fillRect/>
+          </a:stretch>
+        </p:blipFill>
+        <p:spPr>
+          <a:xfrm>
+            <a:off x="1842133" y="1763077"/>
+            <a:ext cx="7686675" cy="5094923"/>
+          </a:xfrm>
+          <a:prstGeom prst="rect">
+            <a:avLst/>
+          </a:prstGeom>
+        </p:spPr>
+      </p:pic>
+      <p:pic>
+        <p:nvPicPr>
+          <p:cNvPr id="6" name="Picture 5"/>
+          <p:cNvPicPr>
+            <a:picLocks noChangeAspect="1"/>
+          </p:cNvPicPr>
+          <p:nvPr/>
+        </p:nvPicPr>
+        <p:blipFill>
+          <a:blip r:embed="rId4">
+            <a:extLst>
+              <a:ext uri="{28A0092B-C50C-407E-A947-70E740481C1C}">
+                <a14:useLocalDpi xmlns:a14="http://schemas.microsoft.com/office/drawing/2010/main" val="0"/>
+              </a:ext>
+            </a:extLst>
+          </a:blip>
+          <a:stretch>
+            <a:fillRect/>
+          </a:stretch>
+        </p:blipFill>
+        <p:spPr>
+          <a:xfrm>
+            <a:off x="2143077" y="1763077"/>
+            <a:ext cx="6715125" cy="4990420"/>
+          </a:xfrm>
+          <a:prstGeom prst="rect">
+            <a:avLst/>
+          </a:prstGeom>
+        </p:spPr>
+      </p:pic>
+      <p:pic>
+        <p:nvPicPr>
+          <p:cNvPr id="8" name="Picture 7"/>
+          <p:cNvPicPr>
+            <a:picLocks noChangeAspect="1"/>
+          </p:cNvPicPr>
+          <p:nvPr/>
+        </p:nvPicPr>
+        <p:blipFill>
+          <a:blip r:embed="rId5">
+            <a:extLst>
+              <a:ext uri="{28A0092B-C50C-407E-A947-70E740481C1C}">
+                <a14:useLocalDpi xmlns:a14="http://schemas.microsoft.com/office/drawing/2010/main" val="0"/>
+              </a:ext>
+            </a:extLst>
+          </a:blip>
+          <a:stretch>
+            <a:fillRect/>
+          </a:stretch>
+        </p:blipFill>
+        <p:spPr>
+          <a:xfrm>
+            <a:off x="2438126" y="1765797"/>
+            <a:ext cx="5676900" cy="5305425"/>
+          </a:xfrm>
+          <a:prstGeom prst="rect">
+            <a:avLst/>
+          </a:prstGeom>
+        </p:spPr>
+      </p:pic>
+      <p:pic>
+        <p:nvPicPr>
+          <p:cNvPr id="9" name="Picture 8"/>
+          <p:cNvPicPr>
+            <a:picLocks noChangeAspect="1"/>
+          </p:cNvPicPr>
+          <p:nvPr/>
+        </p:nvPicPr>
+        <p:blipFill>
+          <a:blip r:embed="rId6">
+            <a:extLst>
+              <a:ext uri="{28A0092B-C50C-407E-A947-70E740481C1C}">
+                <a14:useLocalDpi xmlns:a14="http://schemas.microsoft.com/office/drawing/2010/main" val="0"/>
+              </a:ext>
+            </a:extLst>
+          </a:blip>
+          <a:stretch>
+            <a:fillRect/>
+          </a:stretch>
+        </p:blipFill>
+        <p:spPr>
+          <a:xfrm>
+            <a:off x="2743606" y="1760148"/>
+            <a:ext cx="5438775" cy="4267200"/>
+          </a:xfrm>
+          <a:prstGeom prst="rect">
+            <a:avLst/>
+          </a:prstGeom>
+        </p:spPr>
+      </p:pic>
+    </p:spTree>
+    <p:extLst>
+      <p:ext uri="{BB962C8B-B14F-4D97-AF65-F5344CB8AC3E}">
+        <p14:creationId xmlns:p14="http://schemas.microsoft.com/office/powerpoint/2010/main" val="824007785"/>
+      </p:ext>
+    </p:extLst>
+  </p:cSld>
+  <p:clrMapOvr>
+    <a:masterClrMapping/>
+  </p:clrMapOvr>
+  <p:timing>
+    <p:tnLst>
+      <p:par>
+        <p:cTn id="1" dur="indefinite" restart="never" nodeType="tmRoot">
+          <p:childTnLst>
+            <p:seq concurrent="1" nextAc="seek">
+              <p:cTn id="2" dur="indefinite" nodeType="mainSeq">
+                <p:childTnLst>
+                  <p:par>
+                    <p:cTn id="3" fill="hold">
+                      <p:stCondLst>
+                        <p:cond delay="indefinite"/>
+                      </p:stCondLst>
+                      <p:childTnLst>
+                        <p:par>
+                          <p:cTn id="4" fill="hold">
+                            <p:stCondLst>
+                              <p:cond delay="0"/>
+                            </p:stCondLst>
+                            <p:childTnLst>
+                              <p:par>
+                                <p:cTn id="5" presetID="1" presetClass="entr" presetSubtype="0" fill="hold" nodeType="clickEffect">
+                                  <p:stCondLst>
+                                    <p:cond delay="0"/>
+                                  </p:stCondLst>
+                                  <p:childTnLst>
+                                    <p:set>
+                                      <p:cBhvr>
+                                        <p:cTn id="6" dur="1" fill="hold">
+                                          <p:stCondLst>
+                                            <p:cond delay="0"/>
+                                          </p:stCondLst>
+                                        </p:cTn>
+                                        <p:tgtEl>
+                                          <p:spTgt spid="2"/>
+                                        </p:tgtEl>
+                                        <p:attrNameLst>
+                                          <p:attrName>style.visibility</p:attrName>
+                                        </p:attrNameLst>
+                                      </p:cBhvr>
+                                      <p:to>
+                                        <p:strVal val="visible"/>
+                                      </p:to>
+                                    </p:set>
+                                  </p:childTnLst>
+                                </p:cTn>
+                              </p:par>
+                            </p:childTnLst>
+                          </p:cTn>
+                        </p:par>
+                      </p:childTnLst>
+                    </p:cTn>
+                  </p:par>
+                  <p:par>
+                    <p:cTn id="7" fill="hold">
+                      <p:stCondLst>
+                        <p:cond delay="indefinite"/>
+                      </p:stCondLst>
+                      <p:childTnLst>
+                        <p:par>
+                          <p:cTn id="8" fill="hold">
+                            <p:stCondLst>
+                              <p:cond delay="0"/>
+                            </p:stCondLst>
+                            <p:childTnLst>
+                              <p:par>
+                                <p:cTn id="9" presetID="42" presetClass="entr" presetSubtype="0" fill="hold" nodeType="clickEffect">
+                                  <p:stCondLst>
+                                    <p:cond delay="0"/>
+                                  </p:stCondLst>
+                                  <p:childTnLst>
+                                    <p:set>
+                                      <p:cBhvr>
+                                        <p:cTn id="10" dur="1" fill="hold">
+                                          <p:stCondLst>
+                                            <p:cond delay="0"/>
+                                          </p:stCondLst>
+                                        </p:cTn>
+                                        <p:tgtEl>
+                                          <p:spTgt spid="3"/>
+                                        </p:tgtEl>
+                                        <p:attrNameLst>
+                                          <p:attrName>style.visibility</p:attrName>
+                                        </p:attrNameLst>
+                                      </p:cBhvr>
+                                      <p:to>
+                                        <p:strVal val="visible"/>
+                                      </p:to>
+                                    </p:set>
+                                    <p:animEffect transition="in" filter="fade">
+                                      <p:cBhvr>
+                                        <p:cTn id="11" dur="1000"/>
+                                        <p:tgtEl>
+                                          <p:spTgt spid="3"/>
+                                        </p:tgtEl>
+                                      </p:cBhvr>
+                                    </p:animEffect>
+                                    <p:anim calcmode="lin" valueType="num">
+                                      <p:cBhvr>
+                                        <p:cTn id="12" dur="1000" fill="hold"/>
+                                        <p:tgtEl>
+                                          <p:spTgt spid="3"/>
+                                        </p:tgtEl>
+                                        <p:attrNameLst>
+                                          <p:attrName>ppt_x</p:attrName>
+                                        </p:attrNameLst>
+                                      </p:cBhvr>
+                                      <p:tavLst>
+                                        <p:tav tm="0">
+                                          <p:val>
+                                            <p:strVal val="#ppt_x"/>
+                                          </p:val>
+                                        </p:tav>
+                                        <p:tav tm="100000">
+                                          <p:val>
+                                            <p:strVal val="#ppt_x"/>
+                                          </p:val>
+                                        </p:tav>
+                                      </p:tavLst>
+                                    </p:anim>
+                                    <p:anim calcmode="lin" valueType="num">
+                                      <p:cBhvr>
+                                        <p:cTn id="13" dur="1000" fill="hold"/>
+                                        <p:tgtEl>
+                                          <p:spTgt spid="3"/>
+                                        </p:tgtEl>
+                                        <p:attrNameLst>
+                                          <p:attrName>ppt_y</p:attrName>
+                                        </p:attrNameLst>
+                                      </p:cBhvr>
+                                      <p:tavLst>
+                                        <p:tav tm="0">
+                                          <p:val>
+                                            <p:strVal val="#ppt_y+.1"/>
+                                          </p:val>
+                                        </p:tav>
+                                        <p:tav tm="100000">
+                                          <p:val>
+                                            <p:strVal val="#ppt_y"/>
+                                          </p:val>
+                                        </p:tav>
+                                      </p:tavLst>
+                                    </p:anim>
+                                  </p:childTnLst>
+                                </p:cTn>
+                              </p:par>
+                            </p:childTnLst>
+                          </p:cTn>
+                        </p:par>
+                      </p:childTnLst>
+                    </p:cTn>
+                  </p:par>
+                  <p:par>
+                    <p:cTn id="14" fill="hold">
+                      <p:stCondLst>
+                        <p:cond delay="indefinite"/>
+                      </p:stCondLst>
+                      <p:childTnLst>
+                        <p:par>
+                          <p:cTn id="15" fill="hold">
+                            <p:stCondLst>
+                              <p:cond delay="0"/>
+                            </p:stCondLst>
+                            <p:childTnLst>
+                              <p:par>
+                                <p:cTn id="16" presetID="47" presetClass="entr" presetSubtype="0" fill="hold" nodeType="clickEffect">
+                                  <p:stCondLst>
+                                    <p:cond delay="0"/>
+                                  </p:stCondLst>
+                                  <p:childTnLst>
+                                    <p:set>
+                                      <p:cBhvr>
+                                        <p:cTn id="17" dur="1" fill="hold">
+                                          <p:stCondLst>
+                                            <p:cond delay="0"/>
+                                          </p:stCondLst>
+                                        </p:cTn>
+                                        <p:tgtEl>
+                                          <p:spTgt spid="6"/>
+                                        </p:tgtEl>
+                                        <p:attrNameLst>
+                                          <p:attrName>style.visibility</p:attrName>
+                                        </p:attrNameLst>
+                                      </p:cBhvr>
+                                      <p:to>
+                                        <p:strVal val="visible"/>
+                                      </p:to>
+                                    </p:set>
+                                    <p:animEffect transition="in" filter="fade">
+                                      <p:cBhvr>
+                                        <p:cTn id="18" dur="1000"/>
+                                        <p:tgtEl>
+                                          <p:spTgt spid="6"/>
+                                        </p:tgtEl>
+                                      </p:cBhvr>
+                                    </p:animEffect>
+                                    <p:anim calcmode="lin" valueType="num">
+                                      <p:cBhvr>
+                                        <p:cTn id="19" dur="1000" fill="hold"/>
+                                        <p:tgtEl>
+                                          <p:spTgt spid="6"/>
+                                        </p:tgtEl>
+                                        <p:attrNameLst>
+                                          <p:attrName>ppt_x</p:attrName>
+                                        </p:attrNameLst>
+                                      </p:cBhvr>
+                                      <p:tavLst>
+                                        <p:tav tm="0">
+                                          <p:val>
+                                            <p:strVal val="#ppt_x"/>
+                                          </p:val>
+                                        </p:tav>
+                                        <p:tav tm="100000">
+                                          <p:val>
+                                            <p:strVal val="#ppt_x"/>
+                                          </p:val>
+                                        </p:tav>
+                                      </p:tavLst>
+                                    </p:anim>
+                                    <p:anim calcmode="lin" valueType="num">
+                                      <p:cBhvr>
+                                        <p:cTn id="20" dur="1000" fill="hold"/>
+                                        <p:tgtEl>
+                                          <p:spTgt spid="6"/>
+                                        </p:tgtEl>
+                                        <p:attrNameLst>
+                                          <p:attrName>ppt_y</p:attrName>
+                                        </p:attrNameLst>
+                                      </p:cBhvr>
+                                      <p:tavLst>
+                                        <p:tav tm="0">
+                                          <p:val>
+                                            <p:strVal val="#ppt_y-.1"/>
+                                          </p:val>
+                                        </p:tav>
+                                        <p:tav tm="100000">
+                                          <p:val>
+                                            <p:strVal val="#ppt_y"/>
+                                          </p:val>
+                                        </p:tav>
+                                      </p:tavLst>
+                                    </p:anim>
+                                  </p:childTnLst>
+                                </p:cTn>
+                              </p:par>
+                            </p:childTnLst>
+                          </p:cTn>
+                        </p:par>
+                      </p:childTnLst>
+                    </p:cTn>
+                  </p:par>
+                  <p:par>
+                    <p:cTn id="21" fill="hold">
+                      <p:stCondLst>
+                        <p:cond delay="indefinite"/>
+                      </p:stCondLst>
+                      <p:childTnLst>
+                        <p:par>
+                          <p:cTn id="22" fill="hold">
+                            <p:stCondLst>
+                              <p:cond delay="0"/>
+                            </p:stCondLst>
+                            <p:childTnLst>
+                              <p:par>
+                                <p:cTn id="23" presetID="16" presetClass="entr" presetSubtype="21" fill="hold" nodeType="clickEffect">
+                                  <p:stCondLst>
+                                    <p:cond delay="0"/>
+                                  </p:stCondLst>
+                                  <p:childTnLst>
+                                    <p:set>
+                                      <p:cBhvr>
+                                        <p:cTn id="24" dur="1" fill="hold">
+                                          <p:stCondLst>
+                                            <p:cond delay="0"/>
+                                          </p:stCondLst>
+                                        </p:cTn>
+                                        <p:tgtEl>
+                                          <p:spTgt spid="8"/>
+                                        </p:tgtEl>
+                                        <p:attrNameLst>
+                                          <p:attrName>style.visibility</p:attrName>
+                                        </p:attrNameLst>
+                                      </p:cBhvr>
+                                      <p:to>
+                                        <p:strVal val="visible"/>
+                                      </p:to>
+                                    </p:set>
+                                    <p:animEffect transition="in" filter="barn(inVertical)">
+                                      <p:cBhvr>
+                                        <p:cTn id="25" dur="500"/>
+                                        <p:tgtEl>
+                                          <p:spTgt spid="8"/>
+                                        </p:tgtEl>
+                                      </p:cBhvr>
+                                    </p:animEffect>
+                                  </p:childTnLst>
+                                </p:cTn>
+                              </p:par>
+                            </p:childTnLst>
+                          </p:cTn>
+                        </p:par>
+                      </p:childTnLst>
+                    </p:cTn>
+                  </p:par>
+                  <p:par>
+                    <p:cTn id="26" fill="hold">
+                      <p:stCondLst>
+                        <p:cond delay="indefinite"/>
+                      </p:stCondLst>
+                      <p:childTnLst>
+                        <p:par>
+                          <p:cTn id="27" fill="hold">
+                            <p:stCondLst>
+                              <p:cond delay="0"/>
+                            </p:stCondLst>
+                            <p:childTnLst>
+                              <p:par>
+                                <p:cTn id="28" presetID="16" presetClass="entr" presetSubtype="37" fill="hold" nodeType="clickEffect">
+                                  <p:stCondLst>
+                                    <p:cond delay="0"/>
+                                  </p:stCondLst>
+                                  <p:childTnLst>
+                                    <p:set>
+                                      <p:cBhvr>
+                                        <p:cTn id="29" dur="1" fill="hold">
+                                          <p:stCondLst>
+                                            <p:cond delay="0"/>
+                                          </p:stCondLst>
+                                        </p:cTn>
+                                        <p:tgtEl>
+                                          <p:spTgt spid="9"/>
+                                        </p:tgtEl>
+                                        <p:attrNameLst>
+                                          <p:attrName>style.visibility</p:attrName>
+                                        </p:attrNameLst>
+                                      </p:cBhvr>
+                                      <p:to>
+                                        <p:strVal val="visible"/>
+                                      </p:to>
+                                    </p:set>
+                                    <p:animEffect transition="in" filter="barn(outVertical)">
+                                      <p:cBhvr>
+                                        <p:cTn id="30" dur="500"/>
+                                        <p:tgtEl>
+                                          <p:spTgt spid="9"/>
+                                        </p:tgtEl>
+                                      </p:cBhvr>
+                                    </p:animEffect>
+                                  </p:childTnLst>
+                                </p:cTn>
+                              </p:par>
+                            </p:childTnLst>
+                          </p:cTn>
+                        </p:par>
+                      </p:childTnLst>
+                    </p:cTn>
+                  </p:par>
+                </p:childTnLst>
+              </p:cTn>
+              <p:prevCondLst>
+                <p:cond evt="onPrev" delay="0">
+                  <p:tgtEl>
+                    <p:sldTgt/>
+                  </p:tgtEl>
+                </p:cond>
+              </p:prevCondLst>
+              <p:nextCondLst>
+                <p:cond evt="onNext" delay="0">
+                  <p:tgtEl>
+                    <p:sldTgt/>
+                  </p:tgtEl>
+                </p:cond>
+              </p:nextCondLst>
+            </p:seq>
+          </p:childTnLst>
+        </p:cTn>
+      </p:par>
+    </p:tnLst>
+  </p:timing>
+</p:sld>
+</file>
+
 <file path=ppt/slides/slide5.xml><?xml version="1.0" encoding="utf-8"?>
 <p:sld xmlns:a="http://schemas.openxmlformats.org/drawingml/2006/main" xmlns:r="http://schemas.openxmlformats.org/officeDocument/2006/relationships" xmlns:p="http://schemas.openxmlformats.org/presentationml/2006/main">
   <p:cSld>
@@ -6441,14 +8714,14 @@
       </p:grpSpPr>
       <p:sp>
         <p:nvSpPr>
-          <p:cNvPr id="4" name="TextBox 3"/>
+          <p:cNvPr id="2" name="TextBox 1"/>
           <p:cNvSpPr txBox="1"/>
           <p:nvPr/>
         </p:nvSpPr>
         <p:spPr>
           <a:xfrm>
-            <a:off x="924338" y="1431235"/>
-            <a:ext cx="7712765" cy="1200329"/>
+            <a:off x="1534066" y="952109"/>
+            <a:ext cx="7755213" cy="646331"/>
           </a:xfrm>
           <a:prstGeom prst="rect">
             <a:avLst/>
@@ -6462,27 +8735,29 @@
           <a:lstStyle/>
           <a:p>
             <a:r>
-              <a:rPr lang="en-US" sz="7200" dirty="0" smtClean="0">
-                <a:latin typeface="Top Secret" panose="02000500000000000000" pitchFamily="2" charset="0"/>
-              </a:rPr>
-              <a:t>Thank You ☺ </a:t>
-            </a:r>
-            <a:endParaRPr lang="en-US" sz="7200" dirty="0">
-              <a:latin typeface="Top Secret" panose="02000500000000000000" pitchFamily="2" charset="0"/>
+              <a:rPr lang="en-US" sz="3600" b="1" dirty="0" smtClean="0">
+                <a:latin typeface="Calibri" panose="020F0502020204030204" pitchFamily="34" charset="0"/>
+                <a:cs typeface="Calibri" panose="020F0502020204030204" pitchFamily="34" charset="0"/>
+              </a:rPr>
+              <a:t>Commonly Used Attacking Techniques :</a:t>
+            </a:r>
+            <a:endParaRPr lang="en-US" sz="3600" b="1" dirty="0">
+              <a:latin typeface="Calibri" panose="020F0502020204030204" pitchFamily="34" charset="0"/>
+              <a:cs typeface="Calibri" panose="020F0502020204030204" pitchFamily="34" charset="0"/>
             </a:endParaRPr>
           </a:p>
         </p:txBody>
       </p:sp>
       <p:sp>
         <p:nvSpPr>
-          <p:cNvPr id="5" name="TextBox 4"/>
+          <p:cNvPr id="3" name="TextBox 2"/>
           <p:cNvSpPr txBox="1"/>
           <p:nvPr/>
         </p:nvSpPr>
         <p:spPr>
           <a:xfrm>
-            <a:off x="884587" y="4353337"/>
-            <a:ext cx="2683565" cy="954107"/>
+            <a:off x="1546422" y="1777902"/>
+            <a:ext cx="6361901" cy="4401205"/>
           </a:xfrm>
           <a:prstGeom prst="rect">
             <a:avLst/>
@@ -6495,39 +8770,214 @@
           </a:bodyPr>
           <a:lstStyle/>
           <a:p>
-            <a:r>
-              <a:rPr lang="en-US" sz="2800" dirty="0" smtClean="0">
+            <a:pPr marL="457200" indent="-457200">
+              <a:buFont typeface="Wingdings" panose="05000000000000000000" pitchFamily="2" charset="2"/>
+              <a:buChar char="Ø"/>
+            </a:pPr>
+            <a:r>
+              <a:rPr lang="en-US" sz="2800" i="1" dirty="0">
                 <a:latin typeface="Calibri" panose="020F0502020204030204" pitchFamily="34" charset="0"/>
                 <a:cs typeface="Calibri" panose="020F0502020204030204" pitchFamily="34" charset="0"/>
               </a:rPr>
-              <a:t>Submitted To :</a:t>
-            </a:r>
-          </a:p>
-          <a:p>
-            <a:r>
-              <a:rPr lang="en-US" sz="2800" b="1" i="1" dirty="0" smtClean="0">
+              <a:t>Cross Site Scripting</a:t>
+            </a:r>
+          </a:p>
+          <a:p>
+            <a:pPr marL="457200" indent="-457200">
+              <a:buFont typeface="Wingdings" panose="05000000000000000000" pitchFamily="2" charset="2"/>
+              <a:buChar char="Ø"/>
+            </a:pPr>
+            <a:r>
+              <a:rPr lang="en-US" sz="2800" i="1" dirty="0" smtClean="0">
                 <a:latin typeface="Calibri" panose="020F0502020204030204" pitchFamily="34" charset="0"/>
                 <a:cs typeface="Calibri" panose="020F0502020204030204" pitchFamily="34" charset="0"/>
               </a:rPr>
-              <a:t>Dr. Anu Gupta</a:t>
-            </a:r>
-            <a:endParaRPr lang="en-US" sz="2800" b="1" i="1" dirty="0">
+              <a:t>Brute </a:t>
+            </a:r>
+            <a:r>
+              <a:rPr lang="en-US" sz="2800" i="1" dirty="0" smtClean="0">
+                <a:latin typeface="Calibri" panose="020F0502020204030204" pitchFamily="34" charset="0"/>
+                <a:cs typeface="Calibri" panose="020F0502020204030204" pitchFamily="34" charset="0"/>
+              </a:rPr>
+              <a:t>Force</a:t>
+            </a:r>
+          </a:p>
+          <a:p>
+            <a:pPr marL="457200" indent="-457200">
+              <a:buFont typeface="Wingdings" panose="05000000000000000000" pitchFamily="2" charset="2"/>
+              <a:buChar char="Ø"/>
+            </a:pPr>
+            <a:r>
+              <a:rPr lang="en-US" sz="2800" i="1" dirty="0" smtClean="0">
+                <a:latin typeface="Calibri" panose="020F0502020204030204" pitchFamily="34" charset="0"/>
+                <a:cs typeface="Calibri" panose="020F0502020204030204" pitchFamily="34" charset="0"/>
+              </a:rPr>
+              <a:t>SQL </a:t>
+            </a:r>
+            <a:r>
+              <a:rPr lang="en-US" sz="2800" i="1" dirty="0" smtClean="0">
+                <a:latin typeface="Calibri" panose="020F0502020204030204" pitchFamily="34" charset="0"/>
+                <a:cs typeface="Calibri" panose="020F0502020204030204" pitchFamily="34" charset="0"/>
+              </a:rPr>
+              <a:t>Injection</a:t>
+            </a:r>
+            <a:endParaRPr lang="en-US" sz="2800" i="1" dirty="0">
               <a:latin typeface="Calibri" panose="020F0502020204030204" pitchFamily="34" charset="0"/>
               <a:cs typeface="Calibri" panose="020F0502020204030204" pitchFamily="34" charset="0"/>
             </a:endParaRPr>
           </a:p>
-        </p:txBody>
-      </p:sp>
-      <p:sp>
-        <p:nvSpPr>
-          <p:cNvPr id="6" name="TextBox 5"/>
+          <a:p>
+            <a:pPr marL="457200" indent="-457200">
+              <a:buFont typeface="Wingdings" panose="05000000000000000000" pitchFamily="2" charset="2"/>
+              <a:buChar char="Ø"/>
+            </a:pPr>
+            <a:r>
+              <a:rPr lang="en-US" sz="2800" i="1" dirty="0" smtClean="0">
+                <a:latin typeface="Calibri" panose="020F0502020204030204" pitchFamily="34" charset="0"/>
+                <a:cs typeface="Calibri" panose="020F0502020204030204" pitchFamily="34" charset="0"/>
+              </a:rPr>
+              <a:t>Session Hijacking</a:t>
+            </a:r>
+          </a:p>
+          <a:p>
+            <a:pPr marL="457200" indent="-457200">
+              <a:buFont typeface="Wingdings" panose="05000000000000000000" pitchFamily="2" charset="2"/>
+              <a:buChar char="Ø"/>
+            </a:pPr>
+            <a:r>
+              <a:rPr lang="en-US" sz="2800" i="1" dirty="0" smtClean="0">
+                <a:latin typeface="Calibri" panose="020F0502020204030204" pitchFamily="34" charset="0"/>
+                <a:cs typeface="Calibri" panose="020F0502020204030204" pitchFamily="34" charset="0"/>
+              </a:rPr>
+              <a:t>Parameter tampering</a:t>
+            </a:r>
+            <a:endParaRPr lang="en-US" sz="2800" i="1" dirty="0" smtClean="0">
+              <a:latin typeface="Calibri" panose="020F0502020204030204" pitchFamily="34" charset="0"/>
+              <a:cs typeface="Calibri" panose="020F0502020204030204" pitchFamily="34" charset="0"/>
+            </a:endParaRPr>
+          </a:p>
+          <a:p>
+            <a:pPr marL="457200" indent="-457200">
+              <a:buFont typeface="Wingdings" panose="05000000000000000000" pitchFamily="2" charset="2"/>
+              <a:buChar char="Ø"/>
+            </a:pPr>
+            <a:r>
+              <a:rPr lang="en-US" sz="2800" i="1" dirty="0" smtClean="0">
+                <a:latin typeface="Calibri" panose="020F0502020204030204" pitchFamily="34" charset="0"/>
+                <a:cs typeface="Calibri" panose="020F0502020204030204" pitchFamily="34" charset="0"/>
+              </a:rPr>
+              <a:t>DOS (Denial Of Services</a:t>
+            </a:r>
+            <a:r>
+              <a:rPr lang="en-US" sz="2800" i="1" dirty="0" smtClean="0">
+                <a:latin typeface="Calibri" panose="020F0502020204030204" pitchFamily="34" charset="0"/>
+                <a:cs typeface="Calibri" panose="020F0502020204030204" pitchFamily="34" charset="0"/>
+              </a:rPr>
+              <a:t>)</a:t>
+            </a:r>
+            <a:endParaRPr lang="en-US" sz="2800" i="1" dirty="0">
+              <a:latin typeface="Calibri" panose="020F0502020204030204" pitchFamily="34" charset="0"/>
+              <a:cs typeface="Calibri" panose="020F0502020204030204" pitchFamily="34" charset="0"/>
+            </a:endParaRPr>
+          </a:p>
+          <a:p>
+            <a:pPr marL="457200" indent="-457200">
+              <a:buFont typeface="Wingdings" panose="05000000000000000000" pitchFamily="2" charset="2"/>
+              <a:buChar char="Ø"/>
+            </a:pPr>
+            <a:r>
+              <a:rPr lang="en-US" sz="2800" i="1" dirty="0" smtClean="0">
+                <a:latin typeface="Calibri" panose="020F0502020204030204" pitchFamily="34" charset="0"/>
+                <a:cs typeface="Calibri" panose="020F0502020204030204" pitchFamily="34" charset="0"/>
+              </a:rPr>
+              <a:t>Information Leakage</a:t>
+            </a:r>
+          </a:p>
+          <a:p>
+            <a:pPr marL="457200" indent="-457200">
+              <a:buFont typeface="Wingdings" panose="05000000000000000000" pitchFamily="2" charset="2"/>
+              <a:buChar char="Ø"/>
+            </a:pPr>
+            <a:r>
+              <a:rPr lang="en-US" sz="2800" i="1" dirty="0" smtClean="0">
+                <a:latin typeface="Calibri" panose="020F0502020204030204" pitchFamily="34" charset="0"/>
+                <a:cs typeface="Calibri" panose="020F0502020204030204" pitchFamily="34" charset="0"/>
+              </a:rPr>
+              <a:t>Insufficient Transport Layer Protection</a:t>
+            </a:r>
+          </a:p>
+          <a:p>
+            <a:pPr marL="457200" indent="-457200">
+              <a:buFont typeface="Wingdings" panose="05000000000000000000" pitchFamily="2" charset="2"/>
+              <a:buChar char="Ø"/>
+            </a:pPr>
+            <a:r>
+              <a:rPr lang="en-US" sz="2800" i="1" dirty="0" smtClean="0">
+                <a:latin typeface="Calibri" panose="020F0502020204030204" pitchFamily="34" charset="0"/>
+                <a:cs typeface="Calibri" panose="020F0502020204030204" pitchFamily="34" charset="0"/>
+              </a:rPr>
+              <a:t>Insufficient authorization</a:t>
+            </a:r>
+            <a:br>
+              <a:rPr lang="en-US" sz="2800" i="1" dirty="0" smtClean="0">
+                <a:latin typeface="Calibri" panose="020F0502020204030204" pitchFamily="34" charset="0"/>
+                <a:cs typeface="Calibri" panose="020F0502020204030204" pitchFamily="34" charset="0"/>
+              </a:rPr>
+            </a:br>
+            <a:endParaRPr lang="en-US" sz="2800" i="1" dirty="0" smtClean="0">
+              <a:latin typeface="Calibri" panose="020F0502020204030204" pitchFamily="34" charset="0"/>
+              <a:cs typeface="Calibri" panose="020F0502020204030204" pitchFamily="34" charset="0"/>
+            </a:endParaRPr>
+          </a:p>
+        </p:txBody>
+      </p:sp>
+    </p:spTree>
+    <p:extLst>
+      <p:ext uri="{BB962C8B-B14F-4D97-AF65-F5344CB8AC3E}">
+        <p14:creationId xmlns:p14="http://schemas.microsoft.com/office/powerpoint/2010/main" val="2976494343"/>
+      </p:ext>
+    </p:extLst>
+  </p:cSld>
+  <p:clrMapOvr>
+    <a:masterClrMapping/>
+  </p:clrMapOvr>
+  <p:timing>
+    <p:tnLst>
+      <p:par>
+        <p:cTn id="1" dur="indefinite" restart="never" nodeType="tmRoot"/>
+      </p:par>
+    </p:tnLst>
+  </p:timing>
+</p:sld>
+</file>
+
+<file path=ppt/slides/slide6.xml><?xml version="1.0" encoding="utf-8"?>
+<p:sld xmlns:a="http://schemas.openxmlformats.org/drawingml/2006/main" xmlns:r="http://schemas.openxmlformats.org/officeDocument/2006/relationships" xmlns:p="http://schemas.openxmlformats.org/presentationml/2006/main">
+  <p:cSld>
+    <p:spTree>
+      <p:nvGrpSpPr>
+        <p:cNvPr id="1" name=""/>
+        <p:cNvGrpSpPr/>
+        <p:nvPr/>
+      </p:nvGrpSpPr>
+      <p:grpSpPr>
+        <a:xfrm>
+          <a:off x="0" y="0"/>
+          <a:ext cx="0" cy="0"/>
+          <a:chOff x="0" y="0"/>
+          <a:chExt cx="0" cy="0"/>
+        </a:xfrm>
+      </p:grpSpPr>
+      <p:sp>
+        <p:nvSpPr>
+          <p:cNvPr id="3" name="TextBox 2"/>
           <p:cNvSpPr txBox="1"/>
           <p:nvPr/>
         </p:nvSpPr>
         <p:spPr>
           <a:xfrm>
-            <a:off x="5039137" y="4353337"/>
-            <a:ext cx="3289852" cy="1384995"/>
+            <a:off x="1496995" y="952109"/>
+            <a:ext cx="7755213" cy="646331"/>
           </a:xfrm>
           <a:prstGeom prst="rect">
             <a:avLst/>
@@ -6541,45 +8991,808 @@
           <a:lstStyle/>
           <a:p>
             <a:r>
-              <a:rPr lang="en-US" sz="2800" dirty="0" smtClean="0">
+              <a:rPr lang="en-US" sz="3600" b="1" dirty="0" smtClean="0">
                 <a:latin typeface="Calibri" panose="020F0502020204030204" pitchFamily="34" charset="0"/>
                 <a:cs typeface="Calibri" panose="020F0502020204030204" pitchFamily="34" charset="0"/>
               </a:rPr>
-              <a:t>Submitted By :</a:t>
-            </a:r>
-          </a:p>
-          <a:p>
-            <a:r>
-              <a:rPr lang="en-US" sz="2800" b="1" i="1" dirty="0" smtClean="0">
-                <a:latin typeface="Calibri" panose="020F0502020204030204" pitchFamily="34" charset="0"/>
-                <a:cs typeface="Calibri" panose="020F0502020204030204" pitchFamily="34" charset="0"/>
-              </a:rPr>
-              <a:t>Akshay Kapoor (04)</a:t>
-            </a:r>
-            <a:br>
-              <a:rPr lang="en-US" sz="2800" b="1" i="1" dirty="0" smtClean="0">
-                <a:latin typeface="Calibri" panose="020F0502020204030204" pitchFamily="34" charset="0"/>
-                <a:cs typeface="Calibri" panose="020F0502020204030204" pitchFamily="34" charset="0"/>
-              </a:rPr>
-            </a:br>
-            <a:r>
-              <a:rPr lang="en-US" sz="2800" b="1" i="1" dirty="0" smtClean="0">
-                <a:latin typeface="Calibri" panose="020F0502020204030204" pitchFamily="34" charset="0"/>
-                <a:cs typeface="Calibri" panose="020F0502020204030204" pitchFamily="34" charset="0"/>
-              </a:rPr>
-              <a:t>Sukhpreet Singh (33)</a:t>
-            </a:r>
-            <a:endParaRPr lang="en-US" sz="2800" b="1" i="1" dirty="0">
+              <a:t>Cross Site Scripting or XSS</a:t>
+            </a:r>
+            <a:endParaRPr lang="en-US" sz="3600" b="1" dirty="0">
               <a:latin typeface="Calibri" panose="020F0502020204030204" pitchFamily="34" charset="0"/>
               <a:cs typeface="Calibri" panose="020F0502020204030204" pitchFamily="34" charset="0"/>
             </a:endParaRPr>
           </a:p>
         </p:txBody>
       </p:sp>
+      <p:sp>
+        <p:nvSpPr>
+          <p:cNvPr id="4" name="TextBox 3"/>
+          <p:cNvSpPr txBox="1"/>
+          <p:nvPr/>
+        </p:nvSpPr>
+        <p:spPr>
+          <a:xfrm>
+            <a:off x="1534065" y="1817051"/>
+            <a:ext cx="7293741" cy="3847207"/>
+          </a:xfrm>
+          <a:prstGeom prst="rect">
+            <a:avLst/>
+          </a:prstGeom>
+          <a:noFill/>
+        </p:spPr>
+        <p:txBody>
+          <a:bodyPr wrap="square" rtlCol="0">
+            <a:spAutoFit/>
+          </a:bodyPr>
+          <a:lstStyle/>
+          <a:p>
+            <a:r>
+              <a:rPr lang="en-US" dirty="0"/>
+              <a:t>Cross-Site Scripting (XSS) attacks are a </a:t>
+            </a:r>
+            <a:r>
+              <a:rPr lang="en-US" dirty="0">
+                <a:solidFill>
+                  <a:srgbClr val="FF0000"/>
+                </a:solidFill>
+              </a:rPr>
+              <a:t>type of injection</a:t>
+            </a:r>
+            <a:r>
+              <a:rPr lang="en-US" dirty="0"/>
+              <a:t>, in which malicious scripts are injected into otherwise benign and trusted web sites. </a:t>
+            </a:r>
+            <a:r>
+              <a:rPr lang="en-US" dirty="0" smtClean="0"/>
+              <a:t/>
+            </a:r>
+            <a:br>
+              <a:rPr lang="en-US" dirty="0" smtClean="0"/>
+            </a:br>
+            <a:r>
+              <a:rPr lang="en-US" dirty="0" smtClean="0"/>
+              <a:t/>
+            </a:r>
+            <a:br>
+              <a:rPr lang="en-US" dirty="0" smtClean="0"/>
+            </a:br>
+            <a:r>
+              <a:rPr lang="en-US" dirty="0" smtClean="0"/>
+              <a:t>XSS </a:t>
+            </a:r>
+            <a:r>
+              <a:rPr lang="en-US" dirty="0"/>
+              <a:t>attacks occur when an </a:t>
+            </a:r>
+            <a:r>
+              <a:rPr lang="en-US" dirty="0">
+                <a:solidFill>
+                  <a:srgbClr val="FF0000"/>
+                </a:solidFill>
+              </a:rPr>
+              <a:t>attacker uses a web application to send malicious code</a:t>
+            </a:r>
+            <a:r>
+              <a:rPr lang="en-US" dirty="0"/>
+              <a:t>, generally in the form of a browser side script, to a different end user</a:t>
+            </a:r>
+            <a:r>
+              <a:rPr lang="en-US" dirty="0" smtClean="0"/>
+              <a:t>.</a:t>
+            </a:r>
+            <a:br>
+              <a:rPr lang="en-US" dirty="0" smtClean="0"/>
+            </a:br>
+            <a:r>
+              <a:rPr lang="en-US" dirty="0" smtClean="0"/>
+              <a:t/>
+            </a:r>
+            <a:br>
+              <a:rPr lang="en-US" dirty="0" smtClean="0"/>
+            </a:br>
+            <a:r>
+              <a:rPr lang="en-US" sz="2000" dirty="0" smtClean="0"/>
+              <a:t>The </a:t>
+            </a:r>
+            <a:r>
+              <a:rPr lang="en-US" sz="2000" dirty="0"/>
+              <a:t>malicious script can access any cookies, session tokens, or other sensitive information retained by the browser and used with that site.</a:t>
+            </a:r>
+            <a:br>
+              <a:rPr lang="en-US" sz="2000" dirty="0"/>
+            </a:br>
+            <a:r>
+              <a:rPr lang="en-US" sz="2000" dirty="0"/>
+              <a:t/>
+            </a:r>
+            <a:br>
+              <a:rPr lang="en-US" sz="2000" dirty="0"/>
+            </a:br>
+            <a:r>
+              <a:rPr lang="en-US" sz="2000" dirty="0"/>
+              <a:t>These scripts can even rewrite the content of the HTML page</a:t>
+            </a:r>
+            <a:endParaRPr lang="en-US" sz="2000" i="1" dirty="0">
+              <a:latin typeface="Calibri" panose="020F0502020204030204" pitchFamily="34" charset="0"/>
+              <a:cs typeface="Calibri" panose="020F0502020204030204" pitchFamily="34" charset="0"/>
+            </a:endParaRPr>
+          </a:p>
+        </p:txBody>
+      </p:sp>
     </p:spTree>
     <p:extLst>
       <p:ext uri="{BB962C8B-B14F-4D97-AF65-F5344CB8AC3E}">
-        <p14:creationId xmlns:p14="http://schemas.microsoft.com/office/powerpoint/2010/main" val="4274886775"/>
+        <p14:creationId xmlns:p14="http://schemas.microsoft.com/office/powerpoint/2010/main" val="3195232850"/>
+      </p:ext>
+    </p:extLst>
+  </p:cSld>
+  <p:clrMapOvr>
+    <a:masterClrMapping/>
+  </p:clrMapOvr>
+  <p:timing>
+    <p:tnLst>
+      <p:par>
+        <p:cTn id="1" dur="indefinite" restart="never" nodeType="tmRoot"/>
+      </p:par>
+    </p:tnLst>
+  </p:timing>
+</p:sld>
+</file>
+
+<file path=ppt/slides/slide7.xml><?xml version="1.0" encoding="utf-8"?>
+<p:sld xmlns:a="http://schemas.openxmlformats.org/drawingml/2006/main" xmlns:r="http://schemas.openxmlformats.org/officeDocument/2006/relationships" xmlns:p="http://schemas.openxmlformats.org/presentationml/2006/main">
+  <p:cSld>
+    <p:spTree>
+      <p:nvGrpSpPr>
+        <p:cNvPr id="1" name=""/>
+        <p:cNvGrpSpPr/>
+        <p:nvPr/>
+      </p:nvGrpSpPr>
+      <p:grpSpPr>
+        <a:xfrm>
+          <a:off x="0" y="0"/>
+          <a:ext cx="0" cy="0"/>
+          <a:chOff x="0" y="0"/>
+          <a:chExt cx="0" cy="0"/>
+        </a:xfrm>
+      </p:grpSpPr>
+      <p:sp>
+        <p:nvSpPr>
+          <p:cNvPr id="3" name="TextBox 2"/>
+          <p:cNvSpPr txBox="1"/>
+          <p:nvPr/>
+        </p:nvSpPr>
+        <p:spPr>
+          <a:xfrm>
+            <a:off x="1496995" y="952109"/>
+            <a:ext cx="7755213" cy="646331"/>
+          </a:xfrm>
+          <a:prstGeom prst="rect">
+            <a:avLst/>
+          </a:prstGeom>
+          <a:noFill/>
+        </p:spPr>
+        <p:txBody>
+          <a:bodyPr wrap="square" rtlCol="0">
+            <a:spAutoFit/>
+          </a:bodyPr>
+          <a:lstStyle/>
+          <a:p>
+            <a:r>
+              <a:rPr lang="en-US" sz="3600" b="1" dirty="0" smtClean="0">
+                <a:latin typeface="Calibri" panose="020F0502020204030204" pitchFamily="34" charset="0"/>
+                <a:cs typeface="Calibri" panose="020F0502020204030204" pitchFamily="34" charset="0"/>
+              </a:rPr>
+              <a:t>Cross Site Scripting or XSS</a:t>
+            </a:r>
+            <a:endParaRPr lang="en-US" sz="3600" b="1" dirty="0">
+              <a:latin typeface="Calibri" panose="020F0502020204030204" pitchFamily="34" charset="0"/>
+              <a:cs typeface="Calibri" panose="020F0502020204030204" pitchFamily="34" charset="0"/>
+            </a:endParaRPr>
+          </a:p>
+        </p:txBody>
+      </p:sp>
+      <p:sp>
+        <p:nvSpPr>
+          <p:cNvPr id="4" name="TextBox 3"/>
+          <p:cNvSpPr txBox="1"/>
+          <p:nvPr/>
+        </p:nvSpPr>
+        <p:spPr>
+          <a:xfrm>
+            <a:off x="1534065" y="1817051"/>
+            <a:ext cx="7293741" cy="3847207"/>
+          </a:xfrm>
+          <a:prstGeom prst="rect">
+            <a:avLst/>
+          </a:prstGeom>
+          <a:noFill/>
+        </p:spPr>
+        <p:txBody>
+          <a:bodyPr wrap="square" rtlCol="0">
+            <a:spAutoFit/>
+          </a:bodyPr>
+          <a:lstStyle/>
+          <a:p>
+            <a:r>
+              <a:rPr lang="en-US" dirty="0"/>
+              <a:t>Cross-Site Scripting (XSS) attacks are a </a:t>
+            </a:r>
+            <a:r>
+              <a:rPr lang="en-US" dirty="0">
+                <a:solidFill>
+                  <a:srgbClr val="FF0000"/>
+                </a:solidFill>
+              </a:rPr>
+              <a:t>type of injection</a:t>
+            </a:r>
+            <a:r>
+              <a:rPr lang="en-US" dirty="0"/>
+              <a:t>, in which malicious scripts are injected into otherwise benign and trusted web sites. </a:t>
+            </a:r>
+            <a:r>
+              <a:rPr lang="en-US" dirty="0" smtClean="0"/>
+              <a:t/>
+            </a:r>
+            <a:br>
+              <a:rPr lang="en-US" dirty="0" smtClean="0"/>
+            </a:br>
+            <a:r>
+              <a:rPr lang="en-US" dirty="0" smtClean="0"/>
+              <a:t/>
+            </a:r>
+            <a:br>
+              <a:rPr lang="en-US" dirty="0" smtClean="0"/>
+            </a:br>
+            <a:r>
+              <a:rPr lang="en-US" dirty="0" smtClean="0"/>
+              <a:t>XSS </a:t>
+            </a:r>
+            <a:r>
+              <a:rPr lang="en-US" dirty="0"/>
+              <a:t>attacks occur when an </a:t>
+            </a:r>
+            <a:r>
+              <a:rPr lang="en-US" dirty="0">
+                <a:solidFill>
+                  <a:srgbClr val="FF0000"/>
+                </a:solidFill>
+              </a:rPr>
+              <a:t>attacker uses a web application to send malicious code</a:t>
+            </a:r>
+            <a:r>
+              <a:rPr lang="en-US" dirty="0"/>
+              <a:t>, generally in the form of a browser side script, to a different end user</a:t>
+            </a:r>
+            <a:r>
+              <a:rPr lang="en-US" dirty="0" smtClean="0"/>
+              <a:t>.</a:t>
+            </a:r>
+            <a:br>
+              <a:rPr lang="en-US" dirty="0" smtClean="0"/>
+            </a:br>
+            <a:r>
+              <a:rPr lang="en-US" dirty="0" smtClean="0"/>
+              <a:t/>
+            </a:r>
+            <a:br>
+              <a:rPr lang="en-US" dirty="0" smtClean="0"/>
+            </a:br>
+            <a:r>
+              <a:rPr lang="en-US" sz="2000" dirty="0" smtClean="0"/>
+              <a:t>The </a:t>
+            </a:r>
+            <a:r>
+              <a:rPr lang="en-US" sz="2000" dirty="0"/>
+              <a:t>malicious script can access any cookies, session tokens, or other sensitive information retained by the browser and used with that site.</a:t>
+            </a:r>
+            <a:br>
+              <a:rPr lang="en-US" sz="2000" dirty="0"/>
+            </a:br>
+            <a:r>
+              <a:rPr lang="en-US" sz="2000" dirty="0"/>
+              <a:t/>
+            </a:r>
+            <a:br>
+              <a:rPr lang="en-US" sz="2000" dirty="0"/>
+            </a:br>
+            <a:r>
+              <a:rPr lang="en-US" sz="2000" dirty="0"/>
+              <a:t>These scripts can even rewrite the content of the HTML page</a:t>
+            </a:r>
+            <a:endParaRPr lang="en-US" sz="2000" i="1" dirty="0">
+              <a:latin typeface="Calibri" panose="020F0502020204030204" pitchFamily="34" charset="0"/>
+              <a:cs typeface="Calibri" panose="020F0502020204030204" pitchFamily="34" charset="0"/>
+            </a:endParaRPr>
+          </a:p>
+        </p:txBody>
+      </p:sp>
+    </p:spTree>
+    <p:extLst>
+      <p:ext uri="{BB962C8B-B14F-4D97-AF65-F5344CB8AC3E}">
+        <p14:creationId xmlns:p14="http://schemas.microsoft.com/office/powerpoint/2010/main" val="1546965932"/>
+      </p:ext>
+    </p:extLst>
+  </p:cSld>
+  <p:clrMapOvr>
+    <a:masterClrMapping/>
+  </p:clrMapOvr>
+  <p:timing>
+    <p:tnLst>
+      <p:par>
+        <p:cTn id="1" dur="indefinite" restart="never" nodeType="tmRoot"/>
+      </p:par>
+    </p:tnLst>
+  </p:timing>
+</p:sld>
+</file>
+
+<file path=ppt/slides/slide8.xml><?xml version="1.0" encoding="utf-8"?>
+<p:sld xmlns:a="http://schemas.openxmlformats.org/drawingml/2006/main" xmlns:r="http://schemas.openxmlformats.org/officeDocument/2006/relationships" xmlns:p="http://schemas.openxmlformats.org/presentationml/2006/main">
+  <p:cSld>
+    <p:spTree>
+      <p:nvGrpSpPr>
+        <p:cNvPr id="1" name=""/>
+        <p:cNvGrpSpPr/>
+        <p:nvPr/>
+      </p:nvGrpSpPr>
+      <p:grpSpPr>
+        <a:xfrm>
+          <a:off x="0" y="0"/>
+          <a:ext cx="0" cy="0"/>
+          <a:chOff x="0" y="0"/>
+          <a:chExt cx="0" cy="0"/>
+        </a:xfrm>
+      </p:grpSpPr>
+      <p:sp>
+        <p:nvSpPr>
+          <p:cNvPr id="3" name="TextBox 2"/>
+          <p:cNvSpPr txBox="1"/>
+          <p:nvPr/>
+        </p:nvSpPr>
+        <p:spPr>
+          <a:xfrm>
+            <a:off x="1496995" y="952109"/>
+            <a:ext cx="7755213" cy="646331"/>
+          </a:xfrm>
+          <a:prstGeom prst="rect">
+            <a:avLst/>
+          </a:prstGeom>
+          <a:noFill/>
+        </p:spPr>
+        <p:txBody>
+          <a:bodyPr wrap="square" rtlCol="0">
+            <a:spAutoFit/>
+          </a:bodyPr>
+          <a:lstStyle/>
+          <a:p>
+            <a:r>
+              <a:rPr lang="en-US" sz="3600" b="1" dirty="0" smtClean="0">
+                <a:latin typeface="Calibri" panose="020F0502020204030204" pitchFamily="34" charset="0"/>
+                <a:cs typeface="Calibri" panose="020F0502020204030204" pitchFamily="34" charset="0"/>
+              </a:rPr>
+              <a:t>XSS | Remedy</a:t>
+            </a:r>
+            <a:endParaRPr lang="en-US" sz="3600" b="1" dirty="0">
+              <a:latin typeface="Calibri" panose="020F0502020204030204" pitchFamily="34" charset="0"/>
+              <a:cs typeface="Calibri" panose="020F0502020204030204" pitchFamily="34" charset="0"/>
+            </a:endParaRPr>
+          </a:p>
+        </p:txBody>
+      </p:sp>
+      <p:sp>
+        <p:nvSpPr>
+          <p:cNvPr id="4" name="TextBox 3"/>
+          <p:cNvSpPr txBox="1"/>
+          <p:nvPr/>
+        </p:nvSpPr>
+        <p:spPr>
+          <a:xfrm>
+            <a:off x="1534065" y="1817051"/>
+            <a:ext cx="7293741" cy="3170099"/>
+          </a:xfrm>
+          <a:prstGeom prst="rect">
+            <a:avLst/>
+          </a:prstGeom>
+          <a:noFill/>
+        </p:spPr>
+        <p:txBody>
+          <a:bodyPr wrap="square" rtlCol="0">
+            <a:spAutoFit/>
+          </a:bodyPr>
+          <a:lstStyle/>
+          <a:p>
+            <a:r>
+              <a:rPr lang="en-US" sz="2000" i="1" dirty="0" smtClean="0">
+                <a:solidFill>
+                  <a:srgbClr val="FF0000"/>
+                </a:solidFill>
+                <a:latin typeface="+mj-lt"/>
+                <a:cs typeface="Calibri" panose="020F0502020204030204" pitchFamily="34" charset="0"/>
+              </a:rPr>
+              <a:t>Escaping</a:t>
+            </a:r>
+            <a:r>
+              <a:rPr lang="en-US" sz="2000" i="1" dirty="0" smtClean="0">
+                <a:latin typeface="+mj-lt"/>
+                <a:cs typeface="Calibri" panose="020F0502020204030204" pitchFamily="34" charset="0"/>
+              </a:rPr>
+              <a:t/>
+            </a:r>
+            <a:br>
+              <a:rPr lang="en-US" sz="2000" i="1" dirty="0" smtClean="0">
+                <a:latin typeface="+mj-lt"/>
+                <a:cs typeface="Calibri" panose="020F0502020204030204" pitchFamily="34" charset="0"/>
+              </a:rPr>
+            </a:br>
+            <a:r>
+              <a:rPr lang="en-US" sz="2000" dirty="0" smtClean="0">
+                <a:latin typeface="+mj-lt"/>
+              </a:rPr>
+              <a:t>E</a:t>
+            </a:r>
+            <a:r>
+              <a:rPr lang="en-US" sz="2000" dirty="0" smtClean="0">
+                <a:latin typeface="+mj-lt"/>
+              </a:rPr>
+              <a:t>scape </a:t>
+            </a:r>
+            <a:r>
+              <a:rPr lang="en-US" sz="2000" dirty="0">
+                <a:latin typeface="+mj-lt"/>
+              </a:rPr>
+              <a:t>any and all HTML, URL, and JavaScript entities</a:t>
+            </a:r>
+            <a:r>
+              <a:rPr lang="en-US" sz="2000" i="1" dirty="0" smtClean="0">
+                <a:latin typeface="+mj-lt"/>
+                <a:cs typeface="Calibri" panose="020F0502020204030204" pitchFamily="34" charset="0"/>
+              </a:rPr>
+              <a:t/>
+            </a:r>
+            <a:br>
+              <a:rPr lang="en-US" sz="2000" i="1" dirty="0" smtClean="0">
+                <a:latin typeface="+mj-lt"/>
+                <a:cs typeface="Calibri" panose="020F0502020204030204" pitchFamily="34" charset="0"/>
+              </a:rPr>
+            </a:br>
+            <a:r>
+              <a:rPr lang="en-US" sz="2000" i="1" dirty="0" smtClean="0">
+                <a:latin typeface="+mj-lt"/>
+                <a:cs typeface="Calibri" panose="020F0502020204030204" pitchFamily="34" charset="0"/>
+              </a:rPr>
+              <a:t/>
+            </a:r>
+            <a:br>
+              <a:rPr lang="en-US" sz="2000" i="1" dirty="0" smtClean="0">
+                <a:latin typeface="+mj-lt"/>
+                <a:cs typeface="Calibri" panose="020F0502020204030204" pitchFamily="34" charset="0"/>
+              </a:rPr>
+            </a:br>
+            <a:r>
+              <a:rPr lang="en-US" sz="2000" i="1" dirty="0" smtClean="0">
+                <a:solidFill>
+                  <a:srgbClr val="FF0000"/>
+                </a:solidFill>
+                <a:latin typeface="+mj-lt"/>
+                <a:cs typeface="Calibri" panose="020F0502020204030204" pitchFamily="34" charset="0"/>
+              </a:rPr>
+              <a:t>Validating Input</a:t>
+            </a:r>
+            <a:br>
+              <a:rPr lang="en-US" sz="2000" i="1" dirty="0" smtClean="0">
+                <a:solidFill>
+                  <a:srgbClr val="FF0000"/>
+                </a:solidFill>
+                <a:latin typeface="+mj-lt"/>
+                <a:cs typeface="Calibri" panose="020F0502020204030204" pitchFamily="34" charset="0"/>
+              </a:rPr>
+            </a:br>
+            <a:r>
+              <a:rPr lang="en-US" sz="2000" dirty="0" smtClean="0">
+                <a:latin typeface="+mj-lt"/>
+              </a:rPr>
+              <a:t>E</a:t>
+            </a:r>
+            <a:r>
+              <a:rPr lang="en-US" sz="2000" dirty="0" smtClean="0">
+                <a:latin typeface="+mj-lt"/>
+              </a:rPr>
+              <a:t>nsuring an application is rendering the correct data and Preventing malicious data from doing harm to the site, database, and users</a:t>
+            </a:r>
+            <a:r>
+              <a:rPr lang="en-US" sz="2000" i="1" dirty="0" smtClean="0">
+                <a:latin typeface="+mj-lt"/>
+                <a:cs typeface="Calibri" panose="020F0502020204030204" pitchFamily="34" charset="0"/>
+              </a:rPr>
+              <a:t/>
+            </a:r>
+            <a:br>
+              <a:rPr lang="en-US" sz="2000" i="1" dirty="0" smtClean="0">
+                <a:latin typeface="+mj-lt"/>
+                <a:cs typeface="Calibri" panose="020F0502020204030204" pitchFamily="34" charset="0"/>
+              </a:rPr>
+            </a:br>
+            <a:r>
+              <a:rPr lang="en-US" sz="2000" i="1" dirty="0" smtClean="0">
+                <a:solidFill>
+                  <a:srgbClr val="FF0000"/>
+                </a:solidFill>
+                <a:latin typeface="+mj-lt"/>
+                <a:cs typeface="Calibri" panose="020F0502020204030204" pitchFamily="34" charset="0"/>
+              </a:rPr>
+              <a:t/>
+            </a:r>
+            <a:br>
+              <a:rPr lang="en-US" sz="2000" i="1" dirty="0" smtClean="0">
+                <a:solidFill>
+                  <a:srgbClr val="FF0000"/>
+                </a:solidFill>
+                <a:latin typeface="+mj-lt"/>
+                <a:cs typeface="Calibri" panose="020F0502020204030204" pitchFamily="34" charset="0"/>
+              </a:rPr>
+            </a:br>
+            <a:r>
+              <a:rPr lang="en-US" sz="2000" i="1" dirty="0" smtClean="0">
+                <a:solidFill>
+                  <a:srgbClr val="FF0000"/>
+                </a:solidFill>
+                <a:latin typeface="+mj-lt"/>
+                <a:cs typeface="Calibri" panose="020F0502020204030204" pitchFamily="34" charset="0"/>
+              </a:rPr>
+              <a:t>Sanitizing</a:t>
+            </a:r>
+            <a:r>
+              <a:rPr lang="en-US" sz="2000" i="1" dirty="0" smtClean="0">
+                <a:latin typeface="+mj-lt"/>
+                <a:cs typeface="Calibri" panose="020F0502020204030204" pitchFamily="34" charset="0"/>
+              </a:rPr>
+              <a:t/>
+            </a:r>
+            <a:br>
+              <a:rPr lang="en-US" sz="2000" i="1" dirty="0" smtClean="0">
+                <a:latin typeface="+mj-lt"/>
+                <a:cs typeface="Calibri" panose="020F0502020204030204" pitchFamily="34" charset="0"/>
+              </a:rPr>
+            </a:br>
+            <a:r>
+              <a:rPr lang="en-US" sz="2000" dirty="0" smtClean="0"/>
+              <a:t>C</a:t>
+            </a:r>
+            <a:r>
+              <a:rPr lang="en-US" sz="2000" dirty="0" smtClean="0"/>
+              <a:t>hanging </a:t>
+            </a:r>
+            <a:r>
+              <a:rPr lang="en-US" sz="2000" dirty="0"/>
+              <a:t>unacceptable user input to an acceptable format.</a:t>
+            </a:r>
+            <a:endParaRPr lang="en-US" sz="2000" i="1" dirty="0">
+              <a:latin typeface="+mj-lt"/>
+              <a:cs typeface="Calibri" panose="020F0502020204030204" pitchFamily="34" charset="0"/>
+            </a:endParaRPr>
+          </a:p>
+        </p:txBody>
+      </p:sp>
+    </p:spTree>
+    <p:extLst>
+      <p:ext uri="{BB962C8B-B14F-4D97-AF65-F5344CB8AC3E}">
+        <p14:creationId xmlns:p14="http://schemas.microsoft.com/office/powerpoint/2010/main" val="2614840025"/>
+      </p:ext>
+    </p:extLst>
+  </p:cSld>
+  <p:clrMapOvr>
+    <a:masterClrMapping/>
+  </p:clrMapOvr>
+  <p:timing>
+    <p:tnLst>
+      <p:par>
+        <p:cTn id="1" dur="indefinite" restart="never" nodeType="tmRoot"/>
+      </p:par>
+    </p:tnLst>
+  </p:timing>
+</p:sld>
+</file>
+
+<file path=ppt/slides/slide9.xml><?xml version="1.0" encoding="utf-8"?>
+<p:sld xmlns:a="http://schemas.openxmlformats.org/drawingml/2006/main" xmlns:r="http://schemas.openxmlformats.org/officeDocument/2006/relationships" xmlns:p="http://schemas.openxmlformats.org/presentationml/2006/main">
+  <p:cSld>
+    <p:spTree>
+      <p:nvGrpSpPr>
+        <p:cNvPr id="1" name=""/>
+        <p:cNvGrpSpPr/>
+        <p:nvPr/>
+      </p:nvGrpSpPr>
+      <p:grpSpPr>
+        <a:xfrm>
+          <a:off x="0" y="0"/>
+          <a:ext cx="0" cy="0"/>
+          <a:chOff x="0" y="0"/>
+          <a:chExt cx="0" cy="0"/>
+        </a:xfrm>
+      </p:grpSpPr>
+      <p:sp>
+        <p:nvSpPr>
+          <p:cNvPr id="3" name="TextBox 2"/>
+          <p:cNvSpPr txBox="1"/>
+          <p:nvPr/>
+        </p:nvSpPr>
+        <p:spPr>
+          <a:xfrm>
+            <a:off x="1534066" y="952109"/>
+            <a:ext cx="7755213" cy="646331"/>
+          </a:xfrm>
+          <a:prstGeom prst="rect">
+            <a:avLst/>
+          </a:prstGeom>
+          <a:noFill/>
+        </p:spPr>
+        <p:txBody>
+          <a:bodyPr wrap="square" rtlCol="0">
+            <a:spAutoFit/>
+          </a:bodyPr>
+          <a:lstStyle/>
+          <a:p>
+            <a:r>
+              <a:rPr lang="en-US" sz="3600" b="1" dirty="0" smtClean="0">
+                <a:latin typeface="Calibri" panose="020F0502020204030204" pitchFamily="34" charset="0"/>
+                <a:cs typeface="Calibri" panose="020F0502020204030204" pitchFamily="34" charset="0"/>
+              </a:rPr>
+              <a:t>Brute Force</a:t>
+            </a:r>
+            <a:endParaRPr lang="en-US" sz="3600" b="1" dirty="0">
+              <a:latin typeface="Calibri" panose="020F0502020204030204" pitchFamily="34" charset="0"/>
+              <a:cs typeface="Calibri" panose="020F0502020204030204" pitchFamily="34" charset="0"/>
+            </a:endParaRPr>
+          </a:p>
+        </p:txBody>
+      </p:sp>
+      <p:sp>
+        <p:nvSpPr>
+          <p:cNvPr id="4" name="TextBox 3"/>
+          <p:cNvSpPr txBox="1"/>
+          <p:nvPr/>
+        </p:nvSpPr>
+        <p:spPr>
+          <a:xfrm>
+            <a:off x="1534065" y="1891193"/>
+            <a:ext cx="7293741" cy="369332"/>
+          </a:xfrm>
+          <a:prstGeom prst="rect">
+            <a:avLst/>
+          </a:prstGeom>
+          <a:noFill/>
+        </p:spPr>
+        <p:txBody>
+          <a:bodyPr wrap="square" rtlCol="0">
+            <a:spAutoFit/>
+          </a:bodyPr>
+          <a:lstStyle/>
+          <a:p>
+            <a:r>
+              <a:rPr lang="en-US" dirty="0"/>
+              <a:t>U</a:t>
+            </a:r>
+            <a:r>
+              <a:rPr lang="en-US" dirty="0" smtClean="0"/>
+              <a:t>sed </a:t>
+            </a:r>
+            <a:r>
+              <a:rPr lang="en-US" dirty="0"/>
+              <a:t>for guessing passwords and bypassing access control.</a:t>
+            </a:r>
+            <a:endParaRPr lang="en-US" sz="2000" i="1" dirty="0">
+              <a:latin typeface="Calibri" panose="020F0502020204030204" pitchFamily="34" charset="0"/>
+              <a:cs typeface="Calibri" panose="020F0502020204030204" pitchFamily="34" charset="0"/>
+            </a:endParaRPr>
+          </a:p>
+        </p:txBody>
+      </p:sp>
+      <p:sp>
+        <p:nvSpPr>
+          <p:cNvPr id="6" name="TextBox 5"/>
+          <p:cNvSpPr txBox="1"/>
+          <p:nvPr/>
+        </p:nvSpPr>
+        <p:spPr>
+          <a:xfrm>
+            <a:off x="1534065" y="2553278"/>
+            <a:ext cx="7295168" cy="1938992"/>
+          </a:xfrm>
+          <a:prstGeom prst="rect">
+            <a:avLst/>
+          </a:prstGeom>
+          <a:noFill/>
+        </p:spPr>
+        <p:txBody>
+          <a:bodyPr wrap="square" rtlCol="0">
+            <a:spAutoFit/>
+          </a:bodyPr>
+          <a:lstStyle/>
+          <a:p>
+            <a:r>
+              <a:rPr lang="en-US" sz="2000" i="1" dirty="0" smtClean="0">
+                <a:latin typeface="Calibri" panose="020F0502020204030204" pitchFamily="34" charset="0"/>
+                <a:cs typeface="Calibri" panose="020F0502020204030204" pitchFamily="34" charset="0"/>
+              </a:rPr>
+              <a:t>Types:</a:t>
+            </a:r>
+            <a:br>
+              <a:rPr lang="en-US" sz="2000" i="1" dirty="0" smtClean="0">
+                <a:latin typeface="Calibri" panose="020F0502020204030204" pitchFamily="34" charset="0"/>
+                <a:cs typeface="Calibri" panose="020F0502020204030204" pitchFamily="34" charset="0"/>
+              </a:rPr>
+            </a:br>
+            <a:r>
+              <a:rPr lang="en-US" sz="2000" i="1" dirty="0" smtClean="0">
+                <a:latin typeface="Calibri" panose="020F0502020204030204" pitchFamily="34" charset="0"/>
+                <a:cs typeface="Calibri" panose="020F0502020204030204" pitchFamily="34" charset="0"/>
+              </a:rPr>
+              <a:t/>
+            </a:r>
+            <a:br>
+              <a:rPr lang="en-US" sz="2000" i="1" dirty="0" smtClean="0">
+                <a:latin typeface="Calibri" panose="020F0502020204030204" pitchFamily="34" charset="0"/>
+                <a:cs typeface="Calibri" panose="020F0502020204030204" pitchFamily="34" charset="0"/>
+              </a:rPr>
+            </a:br>
+            <a:r>
+              <a:rPr lang="en-US" sz="2000" i="1" dirty="0" smtClean="0">
+                <a:latin typeface="Calibri" panose="020F0502020204030204" pitchFamily="34" charset="0"/>
+                <a:cs typeface="Calibri" panose="020F0502020204030204" pitchFamily="34" charset="0"/>
+              </a:rPr>
+              <a:t>Dictionary Attack</a:t>
+            </a:r>
+            <a:br>
+              <a:rPr lang="en-US" sz="2000" i="1" dirty="0" smtClean="0">
+                <a:latin typeface="Calibri" panose="020F0502020204030204" pitchFamily="34" charset="0"/>
+                <a:cs typeface="Calibri" panose="020F0502020204030204" pitchFamily="34" charset="0"/>
+              </a:rPr>
+            </a:br>
+            <a:r>
+              <a:rPr lang="en-US" sz="2000" i="1" dirty="0" smtClean="0">
+                <a:latin typeface="Calibri" panose="020F0502020204030204" pitchFamily="34" charset="0"/>
+                <a:cs typeface="Calibri" panose="020F0502020204030204" pitchFamily="34" charset="0"/>
+              </a:rPr>
+              <a:t>Hybrid Attack</a:t>
+            </a:r>
+            <a:br>
+              <a:rPr lang="en-US" sz="2000" i="1" dirty="0" smtClean="0">
+                <a:latin typeface="Calibri" panose="020F0502020204030204" pitchFamily="34" charset="0"/>
+                <a:cs typeface="Calibri" panose="020F0502020204030204" pitchFamily="34" charset="0"/>
+              </a:rPr>
+            </a:br>
+            <a:r>
+              <a:rPr lang="en-US" sz="2000" i="1" dirty="0" smtClean="0">
+                <a:latin typeface="Calibri" panose="020F0502020204030204" pitchFamily="34" charset="0"/>
+                <a:cs typeface="Calibri" panose="020F0502020204030204" pitchFamily="34" charset="0"/>
+              </a:rPr>
+              <a:t>Rainbow Table</a:t>
+            </a:r>
+            <a:br>
+              <a:rPr lang="en-US" sz="2000" i="1" dirty="0" smtClean="0">
+                <a:latin typeface="Calibri" panose="020F0502020204030204" pitchFamily="34" charset="0"/>
+                <a:cs typeface="Calibri" panose="020F0502020204030204" pitchFamily="34" charset="0"/>
+              </a:rPr>
+            </a:br>
+            <a:r>
+              <a:rPr lang="en-US" sz="2000" i="1" dirty="0" smtClean="0">
+                <a:latin typeface="Calibri" panose="020F0502020204030204" pitchFamily="34" charset="0"/>
+                <a:cs typeface="Calibri" panose="020F0502020204030204" pitchFamily="34" charset="0"/>
+              </a:rPr>
+              <a:t>Search Attack</a:t>
+            </a:r>
+            <a:endParaRPr lang="en-US" sz="2000" i="1" dirty="0">
+              <a:latin typeface="Calibri" panose="020F0502020204030204" pitchFamily="34" charset="0"/>
+              <a:cs typeface="Calibri" panose="020F0502020204030204" pitchFamily="34" charset="0"/>
+            </a:endParaRPr>
+          </a:p>
+        </p:txBody>
+      </p:sp>
+    </p:spTree>
+    <p:extLst>
+      <p:ext uri="{BB962C8B-B14F-4D97-AF65-F5344CB8AC3E}">
+        <p14:creationId xmlns:p14="http://schemas.microsoft.com/office/powerpoint/2010/main" val="1434211249"/>
       </p:ext>
     </p:extLst>
   </p:cSld>
